--- a/Presentation1.pptx
+++ b/Presentation1.pptx
@@ -16,6 +16,7 @@
     <p:sldId id="264" r:id="rId10"/>
     <p:sldId id="265" r:id="rId11"/>
     <p:sldId id="266" r:id="rId12"/>
+    <p:sldId id="268" r:id="rId13"/>
   </p:sldIdLst>
   <p:sldSz cx="12192000" cy="6858000"/>
   <p:notesSz cx="6858000" cy="9144000"/>
@@ -271,7 +272,7 @@
           <a:p>
             <a:fld id="{752829F4-62E9-4113-894C-B9E0C34B66DC}" type="datetimeFigureOut">
               <a:rPr lang="en-AU" smtClean="0"/>
-              <a:t>18/06/2023</a:t>
+              <a:t>21/06/2023</a:t>
             </a:fld>
             <a:endParaRPr lang="en-AU"/>
           </a:p>
@@ -471,7 +472,7 @@
           <a:p>
             <a:fld id="{752829F4-62E9-4113-894C-B9E0C34B66DC}" type="datetimeFigureOut">
               <a:rPr lang="en-AU" smtClean="0"/>
-              <a:t>18/06/2023</a:t>
+              <a:t>21/06/2023</a:t>
             </a:fld>
             <a:endParaRPr lang="en-AU"/>
           </a:p>
@@ -681,7 +682,7 @@
           <a:p>
             <a:fld id="{752829F4-62E9-4113-894C-B9E0C34B66DC}" type="datetimeFigureOut">
               <a:rPr lang="en-AU" smtClean="0"/>
-              <a:t>18/06/2023</a:t>
+              <a:t>21/06/2023</a:t>
             </a:fld>
             <a:endParaRPr lang="en-AU"/>
           </a:p>
@@ -881,7 +882,7 @@
           <a:p>
             <a:fld id="{752829F4-62E9-4113-894C-B9E0C34B66DC}" type="datetimeFigureOut">
               <a:rPr lang="en-AU" smtClean="0"/>
-              <a:t>18/06/2023</a:t>
+              <a:t>21/06/2023</a:t>
             </a:fld>
             <a:endParaRPr lang="en-AU"/>
           </a:p>
@@ -1157,7 +1158,7 @@
           <a:p>
             <a:fld id="{752829F4-62E9-4113-894C-B9E0C34B66DC}" type="datetimeFigureOut">
               <a:rPr lang="en-AU" smtClean="0"/>
-              <a:t>18/06/2023</a:t>
+              <a:t>21/06/2023</a:t>
             </a:fld>
             <a:endParaRPr lang="en-AU"/>
           </a:p>
@@ -1425,7 +1426,7 @@
           <a:p>
             <a:fld id="{752829F4-62E9-4113-894C-B9E0C34B66DC}" type="datetimeFigureOut">
               <a:rPr lang="en-AU" smtClean="0"/>
-              <a:t>18/06/2023</a:t>
+              <a:t>21/06/2023</a:t>
             </a:fld>
             <a:endParaRPr lang="en-AU"/>
           </a:p>
@@ -1840,7 +1841,7 @@
           <a:p>
             <a:fld id="{752829F4-62E9-4113-894C-B9E0C34B66DC}" type="datetimeFigureOut">
               <a:rPr lang="en-AU" smtClean="0"/>
-              <a:t>18/06/2023</a:t>
+              <a:t>21/06/2023</a:t>
             </a:fld>
             <a:endParaRPr lang="en-AU"/>
           </a:p>
@@ -1982,7 +1983,7 @@
           <a:p>
             <a:fld id="{752829F4-62E9-4113-894C-B9E0C34B66DC}" type="datetimeFigureOut">
               <a:rPr lang="en-AU" smtClean="0"/>
-              <a:t>18/06/2023</a:t>
+              <a:t>21/06/2023</a:t>
             </a:fld>
             <a:endParaRPr lang="en-AU"/>
           </a:p>
@@ -2095,7 +2096,7 @@
           <a:p>
             <a:fld id="{752829F4-62E9-4113-894C-B9E0C34B66DC}" type="datetimeFigureOut">
               <a:rPr lang="en-AU" smtClean="0"/>
-              <a:t>18/06/2023</a:t>
+              <a:t>21/06/2023</a:t>
             </a:fld>
             <a:endParaRPr lang="en-AU"/>
           </a:p>
@@ -2408,7 +2409,7 @@
           <a:p>
             <a:fld id="{752829F4-62E9-4113-894C-B9E0C34B66DC}" type="datetimeFigureOut">
               <a:rPr lang="en-AU" smtClean="0"/>
-              <a:t>18/06/2023</a:t>
+              <a:t>21/06/2023</a:t>
             </a:fld>
             <a:endParaRPr lang="en-AU"/>
           </a:p>
@@ -2697,7 +2698,7 @@
           <a:p>
             <a:fld id="{752829F4-62E9-4113-894C-B9E0C34B66DC}" type="datetimeFigureOut">
               <a:rPr lang="en-AU" smtClean="0"/>
-              <a:t>18/06/2023</a:t>
+              <a:t>21/06/2023</a:t>
             </a:fld>
             <a:endParaRPr lang="en-AU"/>
           </a:p>
@@ -2940,7 +2941,7 @@
           <a:p>
             <a:fld id="{752829F4-62E9-4113-894C-B9E0C34B66DC}" type="datetimeFigureOut">
               <a:rPr lang="en-AU" smtClean="0"/>
-              <a:t>18/06/2023</a:t>
+              <a:t>21/06/2023</a:t>
             </a:fld>
             <a:endParaRPr lang="en-AU"/>
           </a:p>
@@ -5505,6 +5506,4315 @@
 </p:sld>
 </file>
 
+<file path=ppt/slides/slide12.xml><?xml version="1.0" encoding="utf-8"?>
+<p:sld xmlns:a="http://schemas.openxmlformats.org/drawingml/2006/main" xmlns:r="http://schemas.openxmlformats.org/officeDocument/2006/relationships" xmlns:p="http://schemas.openxmlformats.org/presentationml/2006/main">
+  <p:cSld>
+    <p:bg>
+      <p:bgPr>
+        <a:gradFill flip="none" rotWithShape="1">
+          <a:gsLst>
+            <a:gs pos="0">
+              <a:schemeClr val="accent4">
+                <a:lumMod val="40000"/>
+                <a:lumOff val="60000"/>
+              </a:schemeClr>
+            </a:gs>
+            <a:gs pos="46000">
+              <a:schemeClr val="accent4">
+                <a:lumMod val="95000"/>
+                <a:lumOff val="5000"/>
+              </a:schemeClr>
+            </a:gs>
+            <a:gs pos="100000">
+              <a:schemeClr val="accent4">
+                <a:lumMod val="60000"/>
+              </a:schemeClr>
+            </a:gs>
+          </a:gsLst>
+          <a:path path="circle">
+            <a:fillToRect l="50000" t="130000" r="50000" b="-30000"/>
+          </a:path>
+          <a:tileRect/>
+        </a:gradFill>
+        <a:effectLst/>
+      </p:bgPr>
+    </p:bg>
+    <p:spTree>
+      <p:nvGrpSpPr>
+        <p:cNvPr id="1" name=""/>
+        <p:cNvGrpSpPr/>
+        <p:nvPr/>
+      </p:nvGrpSpPr>
+      <p:grpSpPr>
+        <a:xfrm>
+          <a:off x="0" y="0"/>
+          <a:ext cx="0" cy="0"/>
+          <a:chOff x="0" y="0"/>
+          <a:chExt cx="0" cy="0"/>
+        </a:xfrm>
+      </p:grpSpPr>
+      <p:sp>
+        <p:nvSpPr>
+          <p:cNvPr id="114" name="Rectangle 113">
+            <a:extLst>
+              <a:ext uri="{FF2B5EF4-FFF2-40B4-BE49-F238E27FC236}">
+                <a16:creationId xmlns:a16="http://schemas.microsoft.com/office/drawing/2014/main" id="{F635FB3C-2C33-A70B-E615-805345B42495}"/>
+              </a:ext>
+            </a:extLst>
+          </p:cNvPr>
+          <p:cNvSpPr/>
+          <p:nvPr/>
+        </p:nvSpPr>
+        <p:spPr>
+          <a:xfrm>
+            <a:off x="143620" y="5107690"/>
+            <a:ext cx="4927059" cy="1750310"/>
+          </a:xfrm>
+          <a:prstGeom prst="rect">
+            <a:avLst/>
+          </a:prstGeom>
+          <a:gradFill flip="none" rotWithShape="1">
+            <a:gsLst>
+              <a:gs pos="0">
+                <a:srgbClr val="92D050">
+                  <a:tint val="66000"/>
+                  <a:satMod val="160000"/>
+                </a:srgbClr>
+              </a:gs>
+              <a:gs pos="50000">
+                <a:srgbClr val="92D050">
+                  <a:tint val="44500"/>
+                  <a:satMod val="160000"/>
+                </a:srgbClr>
+              </a:gs>
+              <a:gs pos="100000">
+                <a:srgbClr val="92D050">
+                  <a:tint val="23500"/>
+                  <a:satMod val="160000"/>
+                </a:srgbClr>
+              </a:gs>
+            </a:gsLst>
+            <a:path path="circle">
+              <a:fillToRect l="100000" b="100000"/>
+            </a:path>
+            <a:tileRect t="-100000" r="-100000"/>
+          </a:gradFill>
+        </p:spPr>
+        <p:style>
+          <a:lnRef idx="2">
+            <a:schemeClr val="accent1">
+              <a:shade val="50000"/>
+            </a:schemeClr>
+          </a:lnRef>
+          <a:fillRef idx="1">
+            <a:schemeClr val="accent1"/>
+          </a:fillRef>
+          <a:effectRef idx="0">
+            <a:schemeClr val="accent1"/>
+          </a:effectRef>
+          <a:fontRef idx="minor">
+            <a:schemeClr val="lt1"/>
+          </a:fontRef>
+        </p:style>
+        <p:txBody>
+          <a:bodyPr rtlCol="0" anchor="ctr"/>
+          <a:lstStyle/>
+          <a:p>
+            <a:pPr algn="ctr"/>
+            <a:endParaRPr lang="en-US"/>
+          </a:p>
+        </p:txBody>
+      </p:sp>
+      <p:sp>
+        <p:nvSpPr>
+          <p:cNvPr id="117" name="Rectangle: Rounded Corners 116">
+            <a:extLst>
+              <a:ext uri="{FF2B5EF4-FFF2-40B4-BE49-F238E27FC236}">
+                <a16:creationId xmlns:a16="http://schemas.microsoft.com/office/drawing/2014/main" id="{79960CE6-89CF-E3B2-4B17-9FF78AF4D0B4}"/>
+              </a:ext>
+            </a:extLst>
+          </p:cNvPr>
+          <p:cNvSpPr/>
+          <p:nvPr/>
+        </p:nvSpPr>
+        <p:spPr>
+          <a:xfrm>
+            <a:off x="179303" y="5502102"/>
+            <a:ext cx="1867040" cy="992517"/>
+          </a:xfrm>
+          <a:prstGeom prst="roundRect">
+            <a:avLst/>
+          </a:prstGeom>
+          <a:solidFill>
+            <a:schemeClr val="bg2">
+              <a:lumMod val="75000"/>
+            </a:schemeClr>
+          </a:solidFill>
+          <a:ln>
+            <a:solidFill>
+              <a:schemeClr val="tx1"/>
+            </a:solidFill>
+          </a:ln>
+        </p:spPr>
+        <p:style>
+          <a:lnRef idx="2">
+            <a:schemeClr val="accent1">
+              <a:shade val="50000"/>
+            </a:schemeClr>
+          </a:lnRef>
+          <a:fillRef idx="1">
+            <a:schemeClr val="accent1"/>
+          </a:fillRef>
+          <a:effectRef idx="0">
+            <a:schemeClr val="accent1"/>
+          </a:effectRef>
+          <a:fontRef idx="minor">
+            <a:schemeClr val="lt1"/>
+          </a:fontRef>
+        </p:style>
+        <p:txBody>
+          <a:bodyPr rtlCol="0" anchor="ctr"/>
+          <a:lstStyle/>
+          <a:p>
+            <a:pPr algn="ctr"/>
+            <a:endParaRPr lang="en-US"/>
+          </a:p>
+        </p:txBody>
+      </p:sp>
+      <p:sp>
+        <p:nvSpPr>
+          <p:cNvPr id="113" name="Rectangle 112">
+            <a:extLst>
+              <a:ext uri="{FF2B5EF4-FFF2-40B4-BE49-F238E27FC236}">
+                <a16:creationId xmlns:a16="http://schemas.microsoft.com/office/drawing/2014/main" id="{17AB9D43-D371-5F02-48A7-60CF34C5E48E}"/>
+              </a:ext>
+            </a:extLst>
+          </p:cNvPr>
+          <p:cNvSpPr/>
+          <p:nvPr/>
+        </p:nvSpPr>
+        <p:spPr>
+          <a:xfrm>
+            <a:off x="151395" y="3528584"/>
+            <a:ext cx="4927059" cy="1559962"/>
+          </a:xfrm>
+          <a:prstGeom prst="rect">
+            <a:avLst/>
+          </a:prstGeom>
+          <a:gradFill flip="none" rotWithShape="1">
+            <a:gsLst>
+              <a:gs pos="0">
+                <a:srgbClr val="92D050">
+                  <a:tint val="66000"/>
+                  <a:satMod val="160000"/>
+                </a:srgbClr>
+              </a:gs>
+              <a:gs pos="50000">
+                <a:srgbClr val="92D050">
+                  <a:tint val="44500"/>
+                  <a:satMod val="160000"/>
+                </a:srgbClr>
+              </a:gs>
+              <a:gs pos="100000">
+                <a:srgbClr val="92D050">
+                  <a:tint val="23500"/>
+                  <a:satMod val="160000"/>
+                </a:srgbClr>
+              </a:gs>
+            </a:gsLst>
+            <a:path path="circle">
+              <a:fillToRect l="50000" t="50000" r="50000" b="50000"/>
+            </a:path>
+            <a:tileRect/>
+          </a:gradFill>
+        </p:spPr>
+        <p:style>
+          <a:lnRef idx="2">
+            <a:schemeClr val="accent1">
+              <a:shade val="50000"/>
+            </a:schemeClr>
+          </a:lnRef>
+          <a:fillRef idx="1">
+            <a:schemeClr val="accent1"/>
+          </a:fillRef>
+          <a:effectRef idx="0">
+            <a:schemeClr val="accent1"/>
+          </a:effectRef>
+          <a:fontRef idx="minor">
+            <a:schemeClr val="lt1"/>
+          </a:fontRef>
+        </p:style>
+        <p:txBody>
+          <a:bodyPr rtlCol="0" anchor="ctr"/>
+          <a:lstStyle/>
+          <a:p>
+            <a:pPr algn="ctr"/>
+            <a:endParaRPr lang="en-US"/>
+          </a:p>
+        </p:txBody>
+      </p:sp>
+      <p:sp>
+        <p:nvSpPr>
+          <p:cNvPr id="116" name="Rectangle: Rounded Corners 115">
+            <a:extLst>
+              <a:ext uri="{FF2B5EF4-FFF2-40B4-BE49-F238E27FC236}">
+                <a16:creationId xmlns:a16="http://schemas.microsoft.com/office/drawing/2014/main" id="{4F3CF23E-192B-E2CA-A909-3521E67E1669}"/>
+              </a:ext>
+            </a:extLst>
+          </p:cNvPr>
+          <p:cNvSpPr/>
+          <p:nvPr/>
+        </p:nvSpPr>
+        <p:spPr>
+          <a:xfrm>
+            <a:off x="231777" y="3869474"/>
+            <a:ext cx="1750979" cy="902129"/>
+          </a:xfrm>
+          <a:prstGeom prst="roundRect">
+            <a:avLst/>
+          </a:prstGeom>
+          <a:solidFill>
+            <a:schemeClr val="bg2">
+              <a:lumMod val="75000"/>
+            </a:schemeClr>
+          </a:solidFill>
+          <a:ln>
+            <a:solidFill>
+              <a:schemeClr val="tx1"/>
+            </a:solidFill>
+          </a:ln>
+        </p:spPr>
+        <p:style>
+          <a:lnRef idx="2">
+            <a:schemeClr val="accent1">
+              <a:shade val="50000"/>
+            </a:schemeClr>
+          </a:lnRef>
+          <a:fillRef idx="1">
+            <a:schemeClr val="accent1"/>
+          </a:fillRef>
+          <a:effectRef idx="0">
+            <a:schemeClr val="accent1"/>
+          </a:effectRef>
+          <a:fontRef idx="minor">
+            <a:schemeClr val="lt1"/>
+          </a:fontRef>
+        </p:style>
+        <p:txBody>
+          <a:bodyPr rtlCol="0" anchor="ctr"/>
+          <a:lstStyle/>
+          <a:p>
+            <a:pPr algn="ctr"/>
+            <a:endParaRPr lang="en-US"/>
+          </a:p>
+        </p:txBody>
+      </p:sp>
+      <p:sp>
+        <p:nvSpPr>
+          <p:cNvPr id="112" name="Rectangle 111">
+            <a:extLst>
+              <a:ext uri="{FF2B5EF4-FFF2-40B4-BE49-F238E27FC236}">
+                <a16:creationId xmlns:a16="http://schemas.microsoft.com/office/drawing/2014/main" id="{297E7F8E-ECED-31D2-D3B8-1F3A529343AA}"/>
+              </a:ext>
+            </a:extLst>
+          </p:cNvPr>
+          <p:cNvSpPr/>
+          <p:nvPr/>
+        </p:nvSpPr>
+        <p:spPr>
+          <a:xfrm>
+            <a:off x="134121" y="1737653"/>
+            <a:ext cx="4927059" cy="1737653"/>
+          </a:xfrm>
+          <a:prstGeom prst="rect">
+            <a:avLst/>
+          </a:prstGeom>
+          <a:gradFill flip="none" rotWithShape="1">
+            <a:gsLst>
+              <a:gs pos="0">
+                <a:srgbClr val="7030A0">
+                  <a:tint val="66000"/>
+                  <a:satMod val="160000"/>
+                </a:srgbClr>
+              </a:gs>
+              <a:gs pos="50000">
+                <a:srgbClr val="7030A0">
+                  <a:tint val="44500"/>
+                  <a:satMod val="160000"/>
+                </a:srgbClr>
+              </a:gs>
+              <a:gs pos="100000">
+                <a:srgbClr val="7030A0">
+                  <a:tint val="23500"/>
+                  <a:satMod val="160000"/>
+                </a:srgbClr>
+              </a:gs>
+            </a:gsLst>
+            <a:lin ang="2700000" scaled="1"/>
+            <a:tileRect/>
+          </a:gradFill>
+        </p:spPr>
+        <p:style>
+          <a:lnRef idx="2">
+            <a:schemeClr val="accent1">
+              <a:shade val="50000"/>
+            </a:schemeClr>
+          </a:lnRef>
+          <a:fillRef idx="1">
+            <a:schemeClr val="accent1"/>
+          </a:fillRef>
+          <a:effectRef idx="0">
+            <a:schemeClr val="accent1"/>
+          </a:effectRef>
+          <a:fontRef idx="minor">
+            <a:schemeClr val="lt1"/>
+          </a:fontRef>
+        </p:style>
+        <p:txBody>
+          <a:bodyPr rtlCol="0" anchor="ctr"/>
+          <a:lstStyle/>
+          <a:p>
+            <a:pPr algn="ctr"/>
+            <a:endParaRPr lang="en-US"/>
+          </a:p>
+        </p:txBody>
+      </p:sp>
+      <p:sp>
+        <p:nvSpPr>
+          <p:cNvPr id="115" name="Rectangle: Rounded Corners 114">
+            <a:extLst>
+              <a:ext uri="{FF2B5EF4-FFF2-40B4-BE49-F238E27FC236}">
+                <a16:creationId xmlns:a16="http://schemas.microsoft.com/office/drawing/2014/main" id="{D094F8C8-F5DD-CCD2-11E3-5B91473EDF19}"/>
+              </a:ext>
+            </a:extLst>
+          </p:cNvPr>
+          <p:cNvSpPr/>
+          <p:nvPr/>
+        </p:nvSpPr>
+        <p:spPr>
+          <a:xfrm>
+            <a:off x="273522" y="2241405"/>
+            <a:ext cx="1750979" cy="802532"/>
+          </a:xfrm>
+          <a:prstGeom prst="roundRect">
+            <a:avLst/>
+          </a:prstGeom>
+          <a:solidFill>
+            <a:schemeClr val="bg2">
+              <a:lumMod val="75000"/>
+            </a:schemeClr>
+          </a:solidFill>
+          <a:ln>
+            <a:solidFill>
+              <a:schemeClr val="tx1"/>
+            </a:solidFill>
+          </a:ln>
+        </p:spPr>
+        <p:style>
+          <a:lnRef idx="2">
+            <a:schemeClr val="accent1">
+              <a:shade val="50000"/>
+            </a:schemeClr>
+          </a:lnRef>
+          <a:fillRef idx="1">
+            <a:schemeClr val="accent1"/>
+          </a:fillRef>
+          <a:effectRef idx="0">
+            <a:schemeClr val="accent1"/>
+          </a:effectRef>
+          <a:fontRef idx="minor">
+            <a:schemeClr val="lt1"/>
+          </a:fontRef>
+        </p:style>
+        <p:txBody>
+          <a:bodyPr rtlCol="0" anchor="ctr"/>
+          <a:lstStyle/>
+          <a:p>
+            <a:pPr algn="ctr"/>
+            <a:endParaRPr lang="en-US"/>
+          </a:p>
+        </p:txBody>
+      </p:sp>
+      <p:sp>
+        <p:nvSpPr>
+          <p:cNvPr id="111" name="Rectangle 110">
+            <a:extLst>
+              <a:ext uri="{FF2B5EF4-FFF2-40B4-BE49-F238E27FC236}">
+                <a16:creationId xmlns:a16="http://schemas.microsoft.com/office/drawing/2014/main" id="{A83D6726-33F0-9BF4-1106-055421804929}"/>
+              </a:ext>
+            </a:extLst>
+          </p:cNvPr>
+          <p:cNvSpPr/>
+          <p:nvPr/>
+        </p:nvSpPr>
+        <p:spPr>
+          <a:xfrm>
+            <a:off x="134121" y="0"/>
+            <a:ext cx="4927059" cy="1737653"/>
+          </a:xfrm>
+          <a:prstGeom prst="rect">
+            <a:avLst/>
+          </a:prstGeom>
+          <a:gradFill flip="none" rotWithShape="1">
+            <a:gsLst>
+              <a:gs pos="0">
+                <a:schemeClr val="accent1">
+                  <a:tint val="66000"/>
+                  <a:satMod val="160000"/>
+                </a:schemeClr>
+              </a:gs>
+              <a:gs pos="50000">
+                <a:schemeClr val="accent1">
+                  <a:tint val="44500"/>
+                  <a:satMod val="160000"/>
+                </a:schemeClr>
+              </a:gs>
+              <a:gs pos="100000">
+                <a:schemeClr val="accent1">
+                  <a:tint val="23500"/>
+                  <a:satMod val="160000"/>
+                </a:schemeClr>
+              </a:gs>
+            </a:gsLst>
+            <a:lin ang="5400000" scaled="1"/>
+            <a:tileRect/>
+          </a:gradFill>
+        </p:spPr>
+        <p:style>
+          <a:lnRef idx="2">
+            <a:schemeClr val="accent1">
+              <a:shade val="50000"/>
+            </a:schemeClr>
+          </a:lnRef>
+          <a:fillRef idx="1">
+            <a:schemeClr val="accent1"/>
+          </a:fillRef>
+          <a:effectRef idx="0">
+            <a:schemeClr val="accent1"/>
+          </a:effectRef>
+          <a:fontRef idx="minor">
+            <a:schemeClr val="lt1"/>
+          </a:fontRef>
+        </p:style>
+        <p:txBody>
+          <a:bodyPr rtlCol="0" anchor="ctr"/>
+          <a:lstStyle/>
+          <a:p>
+            <a:pPr algn="ctr"/>
+            <a:endParaRPr lang="en-US"/>
+          </a:p>
+        </p:txBody>
+      </p:sp>
+      <p:sp>
+        <p:nvSpPr>
+          <p:cNvPr id="14" name="Rectangle: Rounded Corners 13">
+            <a:extLst>
+              <a:ext uri="{FF2B5EF4-FFF2-40B4-BE49-F238E27FC236}">
+                <a16:creationId xmlns:a16="http://schemas.microsoft.com/office/drawing/2014/main" id="{B258500A-7DBF-0874-8F58-1F9A12480131}"/>
+              </a:ext>
+            </a:extLst>
+          </p:cNvPr>
+          <p:cNvSpPr/>
+          <p:nvPr/>
+        </p:nvSpPr>
+        <p:spPr>
+          <a:xfrm>
+            <a:off x="380732" y="563287"/>
+            <a:ext cx="1750979" cy="819556"/>
+          </a:xfrm>
+          <a:prstGeom prst="roundRect">
+            <a:avLst/>
+          </a:prstGeom>
+          <a:solidFill>
+            <a:schemeClr val="accent2">
+              <a:lumMod val="75000"/>
+            </a:schemeClr>
+          </a:solidFill>
+        </p:spPr>
+        <p:style>
+          <a:lnRef idx="2">
+            <a:schemeClr val="accent1">
+              <a:shade val="50000"/>
+            </a:schemeClr>
+          </a:lnRef>
+          <a:fillRef idx="1">
+            <a:schemeClr val="accent1"/>
+          </a:fillRef>
+          <a:effectRef idx="0">
+            <a:schemeClr val="accent1"/>
+          </a:effectRef>
+          <a:fontRef idx="minor">
+            <a:schemeClr val="lt1"/>
+          </a:fontRef>
+        </p:style>
+        <p:txBody>
+          <a:bodyPr rtlCol="0" anchor="ctr"/>
+          <a:lstStyle/>
+          <a:p>
+            <a:pPr algn="ctr"/>
+            <a:endParaRPr lang="en-US"/>
+          </a:p>
+        </p:txBody>
+      </p:sp>
+      <p:sp>
+        <p:nvSpPr>
+          <p:cNvPr id="16" name="Rectangle: Folded Corner 15">
+            <a:extLst>
+              <a:ext uri="{FF2B5EF4-FFF2-40B4-BE49-F238E27FC236}">
+                <a16:creationId xmlns:a16="http://schemas.microsoft.com/office/drawing/2014/main" id="{4ABFEF0E-A1CF-5CE9-E923-7D26E9F4DAD3}"/>
+              </a:ext>
+            </a:extLst>
+          </p:cNvPr>
+          <p:cNvSpPr/>
+          <p:nvPr/>
+        </p:nvSpPr>
+        <p:spPr>
+          <a:xfrm>
+            <a:off x="1238590" y="677586"/>
+            <a:ext cx="744166" cy="607979"/>
+          </a:xfrm>
+          <a:prstGeom prst="foldedCorner">
+            <a:avLst/>
+          </a:prstGeom>
+          <a:solidFill>
+            <a:srgbClr val="00B0F0"/>
+          </a:solidFill>
+        </p:spPr>
+        <p:style>
+          <a:lnRef idx="2">
+            <a:schemeClr val="accent1">
+              <a:shade val="50000"/>
+            </a:schemeClr>
+          </a:lnRef>
+          <a:fillRef idx="1">
+            <a:schemeClr val="accent1"/>
+          </a:fillRef>
+          <a:effectRef idx="0">
+            <a:schemeClr val="accent1"/>
+          </a:effectRef>
+          <a:fontRef idx="minor">
+            <a:schemeClr val="lt1"/>
+          </a:fontRef>
+        </p:style>
+        <p:txBody>
+          <a:bodyPr rtlCol="0" anchor="ctr"/>
+          <a:lstStyle/>
+          <a:p>
+            <a:pPr algn="ctr"/>
+            <a:r>
+              <a:rPr lang="en-US" dirty="0"/>
+              <a:t>Html</a:t>
+            </a:r>
+          </a:p>
+        </p:txBody>
+      </p:sp>
+      <p:sp>
+        <p:nvSpPr>
+          <p:cNvPr id="17" name="TextBox 16">
+            <a:extLst>
+              <a:ext uri="{FF2B5EF4-FFF2-40B4-BE49-F238E27FC236}">
+                <a16:creationId xmlns:a16="http://schemas.microsoft.com/office/drawing/2014/main" id="{EF0A2A8B-E7D2-4025-7292-DE37A8941994}"/>
+              </a:ext>
+            </a:extLst>
+          </p:cNvPr>
+          <p:cNvSpPr txBox="1"/>
+          <p:nvPr/>
+        </p:nvSpPr>
+        <p:spPr>
+          <a:xfrm>
+            <a:off x="3563975" y="1392597"/>
+            <a:ext cx="804964" cy="369332"/>
+          </a:xfrm>
+          <a:prstGeom prst="rect">
+            <a:avLst/>
+          </a:prstGeom>
+          <a:noFill/>
+        </p:spPr>
+        <p:txBody>
+          <a:bodyPr wrap="square" rtlCol="0">
+            <a:spAutoFit/>
+          </a:bodyPr>
+          <a:lstStyle/>
+          <a:p>
+            <a:r>
+              <a:rPr lang="en-US" dirty="0"/>
+              <a:t>Client</a:t>
+            </a:r>
+          </a:p>
+        </p:txBody>
+      </p:sp>
+      <p:pic>
+        <p:nvPicPr>
+          <p:cNvPr id="19" name="Graphic 18" descr="Saw blade">
+            <a:extLst>
+              <a:ext uri="{FF2B5EF4-FFF2-40B4-BE49-F238E27FC236}">
+                <a16:creationId xmlns:a16="http://schemas.microsoft.com/office/drawing/2014/main" id="{B24C38D3-48E7-6378-DC43-CE66B9B0997A}"/>
+              </a:ext>
+            </a:extLst>
+          </p:cNvPr>
+          <p:cNvPicPr>
+            <a:picLocks noChangeAspect="1"/>
+          </p:cNvPicPr>
+          <p:nvPr/>
+        </p:nvPicPr>
+        <p:blipFill>
+          <a:blip r:embed="rId2">
+            <a:extLst>
+              <a:ext uri="{28A0092B-C50C-407E-A947-70E740481C1C}">
+                <a14:useLocalDpi xmlns:a14="http://schemas.microsoft.com/office/drawing/2010/main" val="0"/>
+              </a:ext>
+              <a:ext uri="{96DAC541-7B7A-43D3-8B79-37D633B846F1}">
+                <asvg:svgBlip xmlns:asvg="http://schemas.microsoft.com/office/drawing/2016/SVG/main" r:embed="rId3"/>
+              </a:ext>
+            </a:extLst>
+          </a:blip>
+          <a:stretch>
+            <a:fillRect/>
+          </a:stretch>
+        </p:blipFill>
+        <p:spPr>
+          <a:xfrm>
+            <a:off x="341821" y="524375"/>
+            <a:ext cx="914400" cy="914400"/>
+          </a:xfrm>
+          <a:prstGeom prst="rect">
+            <a:avLst/>
+          </a:prstGeom>
+        </p:spPr>
+      </p:pic>
+      <p:sp>
+        <p:nvSpPr>
+          <p:cNvPr id="20" name="Arrow: Right 19">
+            <a:extLst>
+              <a:ext uri="{FF2B5EF4-FFF2-40B4-BE49-F238E27FC236}">
+                <a16:creationId xmlns:a16="http://schemas.microsoft.com/office/drawing/2014/main" id="{16E3957D-0033-6A64-7D9B-4BF96B3DBF0B}"/>
+              </a:ext>
+            </a:extLst>
+          </p:cNvPr>
+          <p:cNvSpPr/>
+          <p:nvPr/>
+        </p:nvSpPr>
+        <p:spPr>
+          <a:xfrm>
+            <a:off x="2457588" y="562106"/>
+            <a:ext cx="531982" cy="527724"/>
+          </a:xfrm>
+          <a:prstGeom prst="rightArrow">
+            <a:avLst/>
+          </a:prstGeom>
+        </p:spPr>
+        <p:style>
+          <a:lnRef idx="2">
+            <a:schemeClr val="accent1">
+              <a:shade val="50000"/>
+            </a:schemeClr>
+          </a:lnRef>
+          <a:fillRef idx="1">
+            <a:schemeClr val="accent1"/>
+          </a:fillRef>
+          <a:effectRef idx="0">
+            <a:schemeClr val="accent1"/>
+          </a:effectRef>
+          <a:fontRef idx="minor">
+            <a:schemeClr val="lt1"/>
+          </a:fontRef>
+        </p:style>
+        <p:txBody>
+          <a:bodyPr rtlCol="0" anchor="ctr"/>
+          <a:lstStyle/>
+          <a:p>
+            <a:pPr algn="ctr"/>
+            <a:endParaRPr lang="en-US"/>
+          </a:p>
+        </p:txBody>
+      </p:sp>
+      <p:sp>
+        <p:nvSpPr>
+          <p:cNvPr id="21" name="Arrow: Left 20">
+            <a:extLst>
+              <a:ext uri="{FF2B5EF4-FFF2-40B4-BE49-F238E27FC236}">
+                <a16:creationId xmlns:a16="http://schemas.microsoft.com/office/drawing/2014/main" id="{CD386C37-5AA6-084F-7471-81EB4F2F140D}"/>
+              </a:ext>
+            </a:extLst>
+          </p:cNvPr>
+          <p:cNvSpPr/>
+          <p:nvPr/>
+        </p:nvSpPr>
+        <p:spPr>
+          <a:xfrm>
+            <a:off x="2373687" y="1035077"/>
+            <a:ext cx="466927" cy="500975"/>
+          </a:xfrm>
+          <a:prstGeom prst="leftArrow">
+            <a:avLst/>
+          </a:prstGeom>
+        </p:spPr>
+        <p:style>
+          <a:lnRef idx="2">
+            <a:schemeClr val="accent1">
+              <a:shade val="50000"/>
+            </a:schemeClr>
+          </a:lnRef>
+          <a:fillRef idx="1">
+            <a:schemeClr val="accent1"/>
+          </a:fillRef>
+          <a:effectRef idx="0">
+            <a:schemeClr val="accent1"/>
+          </a:effectRef>
+          <a:fontRef idx="minor">
+            <a:schemeClr val="lt1"/>
+          </a:fontRef>
+        </p:style>
+        <p:txBody>
+          <a:bodyPr rtlCol="0" anchor="ctr"/>
+          <a:lstStyle/>
+          <a:p>
+            <a:pPr algn="ctr"/>
+            <a:endParaRPr lang="en-US"/>
+          </a:p>
+        </p:txBody>
+      </p:sp>
+      <p:sp>
+        <p:nvSpPr>
+          <p:cNvPr id="22" name="Rectangle: Rounded Corners 21">
+            <a:extLst>
+              <a:ext uri="{FF2B5EF4-FFF2-40B4-BE49-F238E27FC236}">
+                <a16:creationId xmlns:a16="http://schemas.microsoft.com/office/drawing/2014/main" id="{37078431-259C-D225-966F-6C69F0F29ACB}"/>
+              </a:ext>
+            </a:extLst>
+          </p:cNvPr>
+          <p:cNvSpPr/>
+          <p:nvPr/>
+        </p:nvSpPr>
+        <p:spPr>
+          <a:xfrm>
+            <a:off x="3083236" y="571799"/>
+            <a:ext cx="1750979" cy="802532"/>
+          </a:xfrm>
+          <a:prstGeom prst="roundRect">
+            <a:avLst/>
+          </a:prstGeom>
+          <a:solidFill>
+            <a:schemeClr val="bg2">
+              <a:lumMod val="75000"/>
+            </a:schemeClr>
+          </a:solidFill>
+          <a:ln>
+            <a:solidFill>
+              <a:schemeClr val="tx1"/>
+            </a:solidFill>
+          </a:ln>
+        </p:spPr>
+        <p:style>
+          <a:lnRef idx="2">
+            <a:schemeClr val="accent1">
+              <a:shade val="50000"/>
+            </a:schemeClr>
+          </a:lnRef>
+          <a:fillRef idx="1">
+            <a:schemeClr val="accent1"/>
+          </a:fillRef>
+          <a:effectRef idx="0">
+            <a:schemeClr val="accent1"/>
+          </a:effectRef>
+          <a:fontRef idx="minor">
+            <a:schemeClr val="lt1"/>
+          </a:fontRef>
+        </p:style>
+        <p:txBody>
+          <a:bodyPr rtlCol="0" anchor="ctr"/>
+          <a:lstStyle/>
+          <a:p>
+            <a:pPr algn="ctr"/>
+            <a:endParaRPr lang="en-US"/>
+          </a:p>
+        </p:txBody>
+      </p:sp>
+      <p:sp>
+        <p:nvSpPr>
+          <p:cNvPr id="24" name="Rectangle: Folded Corner 23">
+            <a:extLst>
+              <a:ext uri="{FF2B5EF4-FFF2-40B4-BE49-F238E27FC236}">
+                <a16:creationId xmlns:a16="http://schemas.microsoft.com/office/drawing/2014/main" id="{85397F15-6A31-745A-51CB-0B3B9600E677}"/>
+              </a:ext>
+            </a:extLst>
+          </p:cNvPr>
+          <p:cNvSpPr/>
+          <p:nvPr/>
+        </p:nvSpPr>
+        <p:spPr>
+          <a:xfrm>
+            <a:off x="3628351" y="660563"/>
+            <a:ext cx="744166" cy="607979"/>
+          </a:xfrm>
+          <a:prstGeom prst="foldedCorner">
+            <a:avLst/>
+          </a:prstGeom>
+          <a:solidFill>
+            <a:srgbClr val="00B0F0"/>
+          </a:solidFill>
+        </p:spPr>
+        <p:style>
+          <a:lnRef idx="2">
+            <a:schemeClr val="accent1">
+              <a:shade val="50000"/>
+            </a:schemeClr>
+          </a:lnRef>
+          <a:fillRef idx="1">
+            <a:schemeClr val="accent1"/>
+          </a:fillRef>
+          <a:effectRef idx="0">
+            <a:schemeClr val="accent1"/>
+          </a:effectRef>
+          <a:fontRef idx="minor">
+            <a:schemeClr val="lt1"/>
+          </a:fontRef>
+        </p:style>
+        <p:txBody>
+          <a:bodyPr rtlCol="0" anchor="ctr"/>
+          <a:lstStyle/>
+          <a:p>
+            <a:pPr algn="ctr"/>
+            <a:r>
+              <a:rPr lang="en-US" dirty="0"/>
+              <a:t>Html</a:t>
+            </a:r>
+          </a:p>
+        </p:txBody>
+      </p:sp>
+      <p:sp>
+        <p:nvSpPr>
+          <p:cNvPr id="25" name="TextBox 24">
+            <a:extLst>
+              <a:ext uri="{FF2B5EF4-FFF2-40B4-BE49-F238E27FC236}">
+                <a16:creationId xmlns:a16="http://schemas.microsoft.com/office/drawing/2014/main" id="{093B80B2-1D64-EBF1-2EA3-85FB4CD3311B}"/>
+              </a:ext>
+            </a:extLst>
+          </p:cNvPr>
+          <p:cNvSpPr txBox="1"/>
+          <p:nvPr/>
+        </p:nvSpPr>
+        <p:spPr>
+          <a:xfrm>
+            <a:off x="615639" y="1374331"/>
+            <a:ext cx="1277539" cy="369332"/>
+          </a:xfrm>
+          <a:prstGeom prst="rect">
+            <a:avLst/>
+          </a:prstGeom>
+          <a:noFill/>
+        </p:spPr>
+        <p:txBody>
+          <a:bodyPr wrap="square" rtlCol="0">
+            <a:spAutoFit/>
+          </a:bodyPr>
+          <a:lstStyle/>
+          <a:p>
+            <a:r>
+              <a:rPr lang="en-US" dirty="0"/>
+              <a:t>Web Server</a:t>
+            </a:r>
+          </a:p>
+        </p:txBody>
+      </p:sp>
+      <p:sp>
+        <p:nvSpPr>
+          <p:cNvPr id="27" name="Rectangle: Folded Corner 26">
+            <a:extLst>
+              <a:ext uri="{FF2B5EF4-FFF2-40B4-BE49-F238E27FC236}">
+                <a16:creationId xmlns:a16="http://schemas.microsoft.com/office/drawing/2014/main" id="{2A5EC8AB-72AA-888E-64B8-E6437E4339BD}"/>
+              </a:ext>
+            </a:extLst>
+          </p:cNvPr>
+          <p:cNvSpPr/>
+          <p:nvPr/>
+        </p:nvSpPr>
+        <p:spPr>
+          <a:xfrm>
+            <a:off x="430611" y="2378303"/>
+            <a:ext cx="699582" cy="495182"/>
+          </a:xfrm>
+          <a:prstGeom prst="foldedCorner">
+            <a:avLst/>
+          </a:prstGeom>
+          <a:solidFill>
+            <a:srgbClr val="00B0F0"/>
+          </a:solidFill>
+          <a:ln>
+            <a:noFill/>
+            <a:prstDash val="dash"/>
+          </a:ln>
+        </p:spPr>
+        <p:style>
+          <a:lnRef idx="2">
+            <a:schemeClr val="accent1">
+              <a:shade val="50000"/>
+            </a:schemeClr>
+          </a:lnRef>
+          <a:fillRef idx="1">
+            <a:schemeClr val="accent1"/>
+          </a:fillRef>
+          <a:effectRef idx="0">
+            <a:schemeClr val="accent1"/>
+          </a:effectRef>
+          <a:fontRef idx="minor">
+            <a:schemeClr val="lt1"/>
+          </a:fontRef>
+        </p:style>
+        <p:txBody>
+          <a:bodyPr rtlCol="0" anchor="ctr"/>
+          <a:lstStyle/>
+          <a:p>
+            <a:pPr algn="ctr"/>
+            <a:r>
+              <a:rPr lang="en-US" dirty="0"/>
+              <a:t>Html</a:t>
+            </a:r>
+          </a:p>
+        </p:txBody>
+      </p:sp>
+      <p:sp>
+        <p:nvSpPr>
+          <p:cNvPr id="28" name="TextBox 27">
+            <a:extLst>
+              <a:ext uri="{FF2B5EF4-FFF2-40B4-BE49-F238E27FC236}">
+                <a16:creationId xmlns:a16="http://schemas.microsoft.com/office/drawing/2014/main" id="{BC87EE43-00B8-4495-047E-F9E0C1A37DF2}"/>
+              </a:ext>
+            </a:extLst>
+          </p:cNvPr>
+          <p:cNvSpPr txBox="1"/>
+          <p:nvPr/>
+        </p:nvSpPr>
+        <p:spPr>
+          <a:xfrm>
+            <a:off x="3521614" y="3072015"/>
+            <a:ext cx="804964" cy="369332"/>
+          </a:xfrm>
+          <a:prstGeom prst="rect">
+            <a:avLst/>
+          </a:prstGeom>
+          <a:noFill/>
+        </p:spPr>
+        <p:txBody>
+          <a:bodyPr wrap="square" rtlCol="0">
+            <a:spAutoFit/>
+          </a:bodyPr>
+          <a:lstStyle/>
+          <a:p>
+            <a:r>
+              <a:rPr lang="en-US" dirty="0"/>
+              <a:t>Client</a:t>
+            </a:r>
+          </a:p>
+        </p:txBody>
+      </p:sp>
+      <p:sp>
+        <p:nvSpPr>
+          <p:cNvPr id="30" name="Arrow: Right 29">
+            <a:extLst>
+              <a:ext uri="{FF2B5EF4-FFF2-40B4-BE49-F238E27FC236}">
+                <a16:creationId xmlns:a16="http://schemas.microsoft.com/office/drawing/2014/main" id="{248C33F8-7291-2DE3-6EFD-158A5AC68EC9}"/>
+              </a:ext>
+            </a:extLst>
+          </p:cNvPr>
+          <p:cNvSpPr/>
+          <p:nvPr/>
+        </p:nvSpPr>
+        <p:spPr>
+          <a:xfrm>
+            <a:off x="2288262" y="2261394"/>
+            <a:ext cx="531982" cy="527724"/>
+          </a:xfrm>
+          <a:prstGeom prst="rightArrow">
+            <a:avLst/>
+          </a:prstGeom>
+        </p:spPr>
+        <p:style>
+          <a:lnRef idx="2">
+            <a:schemeClr val="accent1">
+              <a:shade val="50000"/>
+            </a:schemeClr>
+          </a:lnRef>
+          <a:fillRef idx="1">
+            <a:schemeClr val="accent1"/>
+          </a:fillRef>
+          <a:effectRef idx="0">
+            <a:schemeClr val="accent1"/>
+          </a:effectRef>
+          <a:fontRef idx="minor">
+            <a:schemeClr val="lt1"/>
+          </a:fontRef>
+        </p:style>
+        <p:txBody>
+          <a:bodyPr rtlCol="0" anchor="ctr"/>
+          <a:lstStyle/>
+          <a:p>
+            <a:pPr algn="ctr"/>
+            <a:endParaRPr lang="en-US"/>
+          </a:p>
+        </p:txBody>
+      </p:sp>
+      <p:sp>
+        <p:nvSpPr>
+          <p:cNvPr id="31" name="Arrow: Left 30">
+            <a:extLst>
+              <a:ext uri="{FF2B5EF4-FFF2-40B4-BE49-F238E27FC236}">
+                <a16:creationId xmlns:a16="http://schemas.microsoft.com/office/drawing/2014/main" id="{4AA59624-CAF2-9272-B81D-2A145E383AB4}"/>
+              </a:ext>
+            </a:extLst>
+          </p:cNvPr>
+          <p:cNvSpPr/>
+          <p:nvPr/>
+        </p:nvSpPr>
+        <p:spPr>
+          <a:xfrm>
+            <a:off x="2213049" y="2715115"/>
+            <a:ext cx="466927" cy="500975"/>
+          </a:xfrm>
+          <a:prstGeom prst="leftArrow">
+            <a:avLst/>
+          </a:prstGeom>
+          <a:solidFill>
+            <a:schemeClr val="accent3">
+              <a:lumMod val="60000"/>
+              <a:lumOff val="40000"/>
+            </a:schemeClr>
+          </a:solidFill>
+          <a:ln>
+            <a:prstDash val="dash"/>
+          </a:ln>
+        </p:spPr>
+        <p:style>
+          <a:lnRef idx="2">
+            <a:schemeClr val="accent1">
+              <a:shade val="50000"/>
+            </a:schemeClr>
+          </a:lnRef>
+          <a:fillRef idx="1">
+            <a:schemeClr val="accent1"/>
+          </a:fillRef>
+          <a:effectRef idx="0">
+            <a:schemeClr val="accent1"/>
+          </a:effectRef>
+          <a:fontRef idx="minor">
+            <a:schemeClr val="lt1"/>
+          </a:fontRef>
+        </p:style>
+        <p:txBody>
+          <a:bodyPr rtlCol="0" anchor="ctr"/>
+          <a:lstStyle/>
+          <a:p>
+            <a:pPr algn="ctr"/>
+            <a:endParaRPr lang="en-US"/>
+          </a:p>
+        </p:txBody>
+      </p:sp>
+      <p:sp>
+        <p:nvSpPr>
+          <p:cNvPr id="33" name="Rectangle: Rounded Corners 32">
+            <a:extLst>
+              <a:ext uri="{FF2B5EF4-FFF2-40B4-BE49-F238E27FC236}">
+                <a16:creationId xmlns:a16="http://schemas.microsoft.com/office/drawing/2014/main" id="{0A5AEE9D-5263-28C3-7C21-C9DD93A9B585}"/>
+              </a:ext>
+            </a:extLst>
+          </p:cNvPr>
+          <p:cNvSpPr/>
+          <p:nvPr/>
+        </p:nvSpPr>
+        <p:spPr>
+          <a:xfrm>
+            <a:off x="2997131" y="2261394"/>
+            <a:ext cx="1750979" cy="802532"/>
+          </a:xfrm>
+          <a:prstGeom prst="roundRect">
+            <a:avLst/>
+          </a:prstGeom>
+          <a:solidFill>
+            <a:schemeClr val="accent2">
+              <a:lumMod val="75000"/>
+            </a:schemeClr>
+          </a:solidFill>
+        </p:spPr>
+        <p:style>
+          <a:lnRef idx="2">
+            <a:schemeClr val="accent1">
+              <a:shade val="50000"/>
+            </a:schemeClr>
+          </a:lnRef>
+          <a:fillRef idx="1">
+            <a:schemeClr val="accent1"/>
+          </a:fillRef>
+          <a:effectRef idx="0">
+            <a:schemeClr val="accent1"/>
+          </a:effectRef>
+          <a:fontRef idx="minor">
+            <a:schemeClr val="lt1"/>
+          </a:fontRef>
+        </p:style>
+        <p:txBody>
+          <a:bodyPr rtlCol="0" anchor="ctr"/>
+          <a:lstStyle/>
+          <a:p>
+            <a:pPr algn="ctr"/>
+            <a:endParaRPr lang="en-US"/>
+          </a:p>
+        </p:txBody>
+      </p:sp>
+      <p:sp>
+        <p:nvSpPr>
+          <p:cNvPr id="40" name="TextBox 39">
+            <a:extLst>
+              <a:ext uri="{FF2B5EF4-FFF2-40B4-BE49-F238E27FC236}">
+                <a16:creationId xmlns:a16="http://schemas.microsoft.com/office/drawing/2014/main" id="{4A9A5C10-C55D-EC47-413A-CF5FA6E15790}"/>
+              </a:ext>
+            </a:extLst>
+          </p:cNvPr>
+          <p:cNvSpPr txBox="1"/>
+          <p:nvPr/>
+        </p:nvSpPr>
+        <p:spPr>
+          <a:xfrm>
+            <a:off x="562139" y="3084494"/>
+            <a:ext cx="1321924" cy="369332"/>
+          </a:xfrm>
+          <a:prstGeom prst="rect">
+            <a:avLst/>
+          </a:prstGeom>
+          <a:noFill/>
+        </p:spPr>
+        <p:txBody>
+          <a:bodyPr wrap="square" rtlCol="0">
+            <a:spAutoFit/>
+          </a:bodyPr>
+          <a:lstStyle/>
+          <a:p>
+            <a:r>
+              <a:rPr lang="en-US" dirty="0"/>
+              <a:t>Web Server</a:t>
+            </a:r>
+          </a:p>
+        </p:txBody>
+      </p:sp>
+      <p:pic>
+        <p:nvPicPr>
+          <p:cNvPr id="41" name="Graphic 40" descr="Saw blade">
+            <a:extLst>
+              <a:ext uri="{FF2B5EF4-FFF2-40B4-BE49-F238E27FC236}">
+                <a16:creationId xmlns:a16="http://schemas.microsoft.com/office/drawing/2014/main" id="{67F73D40-77ED-912E-397D-595EC3B1769B}"/>
+              </a:ext>
+            </a:extLst>
+          </p:cNvPr>
+          <p:cNvPicPr>
+            <a:picLocks noChangeAspect="1"/>
+          </p:cNvPicPr>
+          <p:nvPr/>
+        </p:nvPicPr>
+        <p:blipFill>
+          <a:blip r:embed="rId2">
+            <a:extLst>
+              <a:ext uri="{28A0092B-C50C-407E-A947-70E740481C1C}">
+                <a14:useLocalDpi xmlns:a14="http://schemas.microsoft.com/office/drawing/2010/main" val="0"/>
+              </a:ext>
+              <a:ext uri="{96DAC541-7B7A-43D3-8B79-37D633B846F1}">
+                <asvg:svgBlip xmlns:asvg="http://schemas.microsoft.com/office/drawing/2016/SVG/main" r:embed="rId3"/>
+              </a:ext>
+            </a:extLst>
+          </a:blip>
+          <a:stretch>
+            <a:fillRect/>
+          </a:stretch>
+        </p:blipFill>
+        <p:spPr>
+          <a:xfrm>
+            <a:off x="2986959" y="2205460"/>
+            <a:ext cx="914400" cy="914400"/>
+          </a:xfrm>
+          <a:prstGeom prst="rect">
+            <a:avLst/>
+          </a:prstGeom>
+        </p:spPr>
+      </p:pic>
+      <p:sp>
+        <p:nvSpPr>
+          <p:cNvPr id="44" name="TextBox 43">
+            <a:extLst>
+              <a:ext uri="{FF2B5EF4-FFF2-40B4-BE49-F238E27FC236}">
+                <a16:creationId xmlns:a16="http://schemas.microsoft.com/office/drawing/2014/main" id="{022FE51A-9CB3-5FFB-645F-9FB3D4FFB888}"/>
+              </a:ext>
+            </a:extLst>
+          </p:cNvPr>
+          <p:cNvSpPr txBox="1"/>
+          <p:nvPr/>
+        </p:nvSpPr>
+        <p:spPr>
+          <a:xfrm>
+            <a:off x="3573743" y="4710152"/>
+            <a:ext cx="700706" cy="369332"/>
+          </a:xfrm>
+          <a:prstGeom prst="rect">
+            <a:avLst/>
+          </a:prstGeom>
+          <a:noFill/>
+        </p:spPr>
+        <p:txBody>
+          <a:bodyPr wrap="square" rtlCol="0">
+            <a:spAutoFit/>
+          </a:bodyPr>
+          <a:lstStyle/>
+          <a:p>
+            <a:r>
+              <a:rPr lang="en-US" dirty="0"/>
+              <a:t>CDN</a:t>
+            </a:r>
+          </a:p>
+        </p:txBody>
+      </p:sp>
+      <p:sp>
+        <p:nvSpPr>
+          <p:cNvPr id="45" name="Arrow: Right 44">
+            <a:extLst>
+              <a:ext uri="{FF2B5EF4-FFF2-40B4-BE49-F238E27FC236}">
+                <a16:creationId xmlns:a16="http://schemas.microsoft.com/office/drawing/2014/main" id="{A176840C-2BA5-DDF3-9DF6-CDABC011C632}"/>
+              </a:ext>
+            </a:extLst>
+          </p:cNvPr>
+          <p:cNvSpPr/>
+          <p:nvPr/>
+        </p:nvSpPr>
+        <p:spPr>
+          <a:xfrm>
+            <a:off x="2275294" y="4033287"/>
+            <a:ext cx="531982" cy="527724"/>
+          </a:xfrm>
+          <a:prstGeom prst="rightArrow">
+            <a:avLst/>
+          </a:prstGeom>
+        </p:spPr>
+        <p:style>
+          <a:lnRef idx="2">
+            <a:schemeClr val="accent1">
+              <a:shade val="50000"/>
+            </a:schemeClr>
+          </a:lnRef>
+          <a:fillRef idx="1">
+            <a:schemeClr val="accent1"/>
+          </a:fillRef>
+          <a:effectRef idx="0">
+            <a:schemeClr val="accent1"/>
+          </a:effectRef>
+          <a:fontRef idx="minor">
+            <a:schemeClr val="lt1"/>
+          </a:fontRef>
+        </p:style>
+        <p:txBody>
+          <a:bodyPr rtlCol="0" anchor="ctr"/>
+          <a:lstStyle/>
+          <a:p>
+            <a:pPr algn="ctr"/>
+            <a:endParaRPr lang="en-US"/>
+          </a:p>
+        </p:txBody>
+      </p:sp>
+      <p:sp>
+        <p:nvSpPr>
+          <p:cNvPr id="47" name="Rectangle: Rounded Corners 46">
+            <a:extLst>
+              <a:ext uri="{FF2B5EF4-FFF2-40B4-BE49-F238E27FC236}">
+                <a16:creationId xmlns:a16="http://schemas.microsoft.com/office/drawing/2014/main" id="{33CA7448-E7C2-79BC-07D8-E4D2039E26D7}"/>
+              </a:ext>
+            </a:extLst>
+          </p:cNvPr>
+          <p:cNvSpPr/>
+          <p:nvPr/>
+        </p:nvSpPr>
+        <p:spPr>
+          <a:xfrm>
+            <a:off x="2964983" y="3880211"/>
+            <a:ext cx="1750979" cy="902129"/>
+          </a:xfrm>
+          <a:prstGeom prst="roundRect">
+            <a:avLst/>
+          </a:prstGeom>
+          <a:solidFill>
+            <a:schemeClr val="accent2">
+              <a:lumMod val="75000"/>
+            </a:schemeClr>
+          </a:solidFill>
+        </p:spPr>
+        <p:style>
+          <a:lnRef idx="2">
+            <a:schemeClr val="accent1">
+              <a:shade val="50000"/>
+            </a:schemeClr>
+          </a:lnRef>
+          <a:fillRef idx="1">
+            <a:schemeClr val="accent1"/>
+          </a:fillRef>
+          <a:effectRef idx="0">
+            <a:schemeClr val="accent1"/>
+          </a:effectRef>
+          <a:fontRef idx="minor">
+            <a:schemeClr val="lt1"/>
+          </a:fontRef>
+        </p:style>
+        <p:txBody>
+          <a:bodyPr rtlCol="0" anchor="ctr"/>
+          <a:lstStyle/>
+          <a:p>
+            <a:pPr algn="ctr"/>
+            <a:endParaRPr lang="en-US"/>
+          </a:p>
+        </p:txBody>
+      </p:sp>
+      <p:sp>
+        <p:nvSpPr>
+          <p:cNvPr id="49" name="TextBox 48">
+            <a:extLst>
+              <a:ext uri="{FF2B5EF4-FFF2-40B4-BE49-F238E27FC236}">
+                <a16:creationId xmlns:a16="http://schemas.microsoft.com/office/drawing/2014/main" id="{85898980-79BC-2684-99C6-4301146772A0}"/>
+              </a:ext>
+            </a:extLst>
+          </p:cNvPr>
+          <p:cNvSpPr txBox="1"/>
+          <p:nvPr/>
+        </p:nvSpPr>
+        <p:spPr>
+          <a:xfrm>
+            <a:off x="436067" y="4716981"/>
+            <a:ext cx="1503331" cy="369332"/>
+          </a:xfrm>
+          <a:prstGeom prst="rect">
+            <a:avLst/>
+          </a:prstGeom>
+          <a:noFill/>
+        </p:spPr>
+        <p:txBody>
+          <a:bodyPr wrap="square" rtlCol="0">
+            <a:spAutoFit/>
+          </a:bodyPr>
+          <a:lstStyle/>
+          <a:p>
+            <a:r>
+              <a:rPr lang="en-US" dirty="0"/>
+              <a:t>Build Server</a:t>
+            </a:r>
+          </a:p>
+        </p:txBody>
+      </p:sp>
+      <p:pic>
+        <p:nvPicPr>
+          <p:cNvPr id="50" name="Graphic 49" descr="Saw blade">
+            <a:extLst>
+              <a:ext uri="{FF2B5EF4-FFF2-40B4-BE49-F238E27FC236}">
+                <a16:creationId xmlns:a16="http://schemas.microsoft.com/office/drawing/2014/main" id="{F4946FF0-3952-FAA9-C0B9-573CE6BF54EF}"/>
+              </a:ext>
+            </a:extLst>
+          </p:cNvPr>
+          <p:cNvPicPr>
+            <a:picLocks noChangeAspect="1"/>
+          </p:cNvPicPr>
+          <p:nvPr/>
+        </p:nvPicPr>
+        <p:blipFill>
+          <a:blip r:embed="rId2">
+            <a:extLst>
+              <a:ext uri="{28A0092B-C50C-407E-A947-70E740481C1C}">
+                <a14:useLocalDpi xmlns:a14="http://schemas.microsoft.com/office/drawing/2010/main" val="0"/>
+              </a:ext>
+              <a:ext uri="{96DAC541-7B7A-43D3-8B79-37D633B846F1}">
+                <asvg:svgBlip xmlns:asvg="http://schemas.microsoft.com/office/drawing/2016/SVG/main" r:embed="rId3"/>
+              </a:ext>
+            </a:extLst>
+          </a:blip>
+          <a:stretch>
+            <a:fillRect/>
+          </a:stretch>
+        </p:blipFill>
+        <p:spPr>
+          <a:xfrm>
+            <a:off x="143620" y="3878298"/>
+            <a:ext cx="914400" cy="914400"/>
+          </a:xfrm>
+          <a:prstGeom prst="rect">
+            <a:avLst/>
+          </a:prstGeom>
+        </p:spPr>
+      </p:pic>
+      <p:sp>
+        <p:nvSpPr>
+          <p:cNvPr id="2" name="Rectangle: Folded Corner 1">
+            <a:extLst>
+              <a:ext uri="{FF2B5EF4-FFF2-40B4-BE49-F238E27FC236}">
+                <a16:creationId xmlns:a16="http://schemas.microsoft.com/office/drawing/2014/main" id="{2F223494-747C-73F6-2170-F71BF1EB68F5}"/>
+              </a:ext>
+            </a:extLst>
+          </p:cNvPr>
+          <p:cNvSpPr/>
+          <p:nvPr/>
+        </p:nvSpPr>
+        <p:spPr>
+          <a:xfrm>
+            <a:off x="1216495" y="2386816"/>
+            <a:ext cx="699582" cy="495182"/>
+          </a:xfrm>
+          <a:prstGeom prst="foldedCorner">
+            <a:avLst/>
+          </a:prstGeom>
+          <a:solidFill>
+            <a:srgbClr val="7030A0"/>
+          </a:solidFill>
+          <a:ln>
+            <a:noFill/>
+            <a:prstDash val="dash"/>
+          </a:ln>
+        </p:spPr>
+        <p:style>
+          <a:lnRef idx="2">
+            <a:schemeClr val="accent1">
+              <a:shade val="50000"/>
+            </a:schemeClr>
+          </a:lnRef>
+          <a:fillRef idx="1">
+            <a:schemeClr val="accent1"/>
+          </a:fillRef>
+          <a:effectRef idx="0">
+            <a:schemeClr val="accent1"/>
+          </a:effectRef>
+          <a:fontRef idx="minor">
+            <a:schemeClr val="lt1"/>
+          </a:fontRef>
+        </p:style>
+        <p:txBody>
+          <a:bodyPr rtlCol="0" anchor="ctr"/>
+          <a:lstStyle/>
+          <a:p>
+            <a:pPr algn="ctr"/>
+            <a:r>
+              <a:rPr lang="en-US" dirty="0"/>
+              <a:t>JS</a:t>
+            </a:r>
+          </a:p>
+        </p:txBody>
+      </p:sp>
+      <p:sp>
+        <p:nvSpPr>
+          <p:cNvPr id="3" name="Rectangle 2">
+            <a:extLst>
+              <a:ext uri="{FF2B5EF4-FFF2-40B4-BE49-F238E27FC236}">
+                <a16:creationId xmlns:a16="http://schemas.microsoft.com/office/drawing/2014/main" id="{39E82B75-03C8-F5ED-EAED-EEE6C2B04C3E}"/>
+              </a:ext>
+            </a:extLst>
+          </p:cNvPr>
+          <p:cNvSpPr/>
+          <p:nvPr/>
+        </p:nvSpPr>
+        <p:spPr>
+          <a:xfrm>
+            <a:off x="3824184" y="2378303"/>
+            <a:ext cx="744167" cy="590779"/>
+          </a:xfrm>
+          <a:prstGeom prst="rect">
+            <a:avLst/>
+          </a:prstGeom>
+          <a:solidFill>
+            <a:srgbClr val="00B0F0"/>
+          </a:solidFill>
+        </p:spPr>
+        <p:style>
+          <a:lnRef idx="2">
+            <a:schemeClr val="accent1">
+              <a:shade val="50000"/>
+            </a:schemeClr>
+          </a:lnRef>
+          <a:fillRef idx="1">
+            <a:schemeClr val="accent1"/>
+          </a:fillRef>
+          <a:effectRef idx="0">
+            <a:schemeClr val="accent1"/>
+          </a:effectRef>
+          <a:fontRef idx="minor">
+            <a:schemeClr val="lt1"/>
+          </a:fontRef>
+        </p:style>
+        <p:txBody>
+          <a:bodyPr rtlCol="0" anchor="ctr"/>
+          <a:lstStyle/>
+          <a:p>
+            <a:pPr algn="ctr"/>
+            <a:endParaRPr lang="en-US"/>
+          </a:p>
+        </p:txBody>
+      </p:sp>
+      <p:sp>
+        <p:nvSpPr>
+          <p:cNvPr id="6" name="Rectangle 5">
+            <a:extLst>
+              <a:ext uri="{FF2B5EF4-FFF2-40B4-BE49-F238E27FC236}">
+                <a16:creationId xmlns:a16="http://schemas.microsoft.com/office/drawing/2014/main" id="{A1A30219-D9D8-8E71-F54D-B3CE3D13E6F5}"/>
+              </a:ext>
+            </a:extLst>
+          </p:cNvPr>
+          <p:cNvSpPr/>
+          <p:nvPr/>
+        </p:nvSpPr>
+        <p:spPr>
+          <a:xfrm>
+            <a:off x="3824184" y="2384172"/>
+            <a:ext cx="744167" cy="117103"/>
+          </a:xfrm>
+          <a:prstGeom prst="rect">
+            <a:avLst/>
+          </a:prstGeom>
+          <a:solidFill>
+            <a:schemeClr val="accent1">
+              <a:lumMod val="50000"/>
+            </a:schemeClr>
+          </a:solidFill>
+        </p:spPr>
+        <p:style>
+          <a:lnRef idx="2">
+            <a:schemeClr val="accent1">
+              <a:shade val="50000"/>
+            </a:schemeClr>
+          </a:lnRef>
+          <a:fillRef idx="1">
+            <a:schemeClr val="accent1"/>
+          </a:fillRef>
+          <a:effectRef idx="0">
+            <a:schemeClr val="accent1"/>
+          </a:effectRef>
+          <a:fontRef idx="minor">
+            <a:schemeClr val="lt1"/>
+          </a:fontRef>
+        </p:style>
+        <p:txBody>
+          <a:bodyPr rtlCol="0" anchor="ctr"/>
+          <a:lstStyle/>
+          <a:p>
+            <a:pPr algn="ctr"/>
+            <a:endParaRPr lang="en-US"/>
+          </a:p>
+        </p:txBody>
+      </p:sp>
+      <p:sp>
+        <p:nvSpPr>
+          <p:cNvPr id="7" name="Rectangle 6">
+            <a:extLst>
+              <a:ext uri="{FF2B5EF4-FFF2-40B4-BE49-F238E27FC236}">
+                <a16:creationId xmlns:a16="http://schemas.microsoft.com/office/drawing/2014/main" id="{7054925A-9507-2FDB-2A87-5609AC908819}"/>
+              </a:ext>
+            </a:extLst>
+          </p:cNvPr>
+          <p:cNvSpPr/>
+          <p:nvPr/>
+        </p:nvSpPr>
+        <p:spPr>
+          <a:xfrm>
+            <a:off x="3824183" y="2836617"/>
+            <a:ext cx="744167" cy="117103"/>
+          </a:xfrm>
+          <a:prstGeom prst="rect">
+            <a:avLst/>
+          </a:prstGeom>
+          <a:solidFill>
+            <a:schemeClr val="accent1">
+              <a:lumMod val="50000"/>
+            </a:schemeClr>
+          </a:solidFill>
+        </p:spPr>
+        <p:style>
+          <a:lnRef idx="2">
+            <a:schemeClr val="accent1">
+              <a:shade val="50000"/>
+            </a:schemeClr>
+          </a:lnRef>
+          <a:fillRef idx="1">
+            <a:schemeClr val="accent1"/>
+          </a:fillRef>
+          <a:effectRef idx="0">
+            <a:schemeClr val="accent1"/>
+          </a:effectRef>
+          <a:fontRef idx="minor">
+            <a:schemeClr val="lt1"/>
+          </a:fontRef>
+        </p:style>
+        <p:txBody>
+          <a:bodyPr rtlCol="0" anchor="ctr"/>
+          <a:lstStyle/>
+          <a:p>
+            <a:pPr algn="ctr"/>
+            <a:endParaRPr lang="en-US"/>
+          </a:p>
+        </p:txBody>
+      </p:sp>
+      <p:sp>
+        <p:nvSpPr>
+          <p:cNvPr id="8" name="Rectangle 7">
+            <a:extLst>
+              <a:ext uri="{FF2B5EF4-FFF2-40B4-BE49-F238E27FC236}">
+                <a16:creationId xmlns:a16="http://schemas.microsoft.com/office/drawing/2014/main" id="{7CB92217-4AE8-3FA7-DE92-62112FEF6A7B}"/>
+              </a:ext>
+            </a:extLst>
+          </p:cNvPr>
+          <p:cNvSpPr/>
+          <p:nvPr/>
+        </p:nvSpPr>
+        <p:spPr>
+          <a:xfrm>
+            <a:off x="3815067" y="2555524"/>
+            <a:ext cx="744167" cy="117103"/>
+          </a:xfrm>
+          <a:prstGeom prst="rect">
+            <a:avLst/>
+          </a:prstGeom>
+          <a:solidFill>
+            <a:schemeClr val="accent6">
+              <a:lumMod val="75000"/>
+            </a:schemeClr>
+          </a:solidFill>
+        </p:spPr>
+        <p:style>
+          <a:lnRef idx="2">
+            <a:schemeClr val="accent1">
+              <a:shade val="50000"/>
+            </a:schemeClr>
+          </a:lnRef>
+          <a:fillRef idx="1">
+            <a:schemeClr val="accent1"/>
+          </a:fillRef>
+          <a:effectRef idx="0">
+            <a:schemeClr val="accent1"/>
+          </a:effectRef>
+          <a:fontRef idx="minor">
+            <a:schemeClr val="lt1"/>
+          </a:fontRef>
+        </p:style>
+        <p:txBody>
+          <a:bodyPr rtlCol="0" anchor="ctr"/>
+          <a:lstStyle/>
+          <a:p>
+            <a:pPr algn="ctr"/>
+            <a:endParaRPr lang="en-US"/>
+          </a:p>
+        </p:txBody>
+      </p:sp>
+      <p:sp>
+        <p:nvSpPr>
+          <p:cNvPr id="9" name="Rectangle 8">
+            <a:extLst>
+              <a:ext uri="{FF2B5EF4-FFF2-40B4-BE49-F238E27FC236}">
+                <a16:creationId xmlns:a16="http://schemas.microsoft.com/office/drawing/2014/main" id="{0665321A-D127-6278-FC9B-6B4336097DF6}"/>
+              </a:ext>
+            </a:extLst>
+          </p:cNvPr>
+          <p:cNvSpPr/>
+          <p:nvPr/>
+        </p:nvSpPr>
+        <p:spPr>
+          <a:xfrm>
+            <a:off x="3824183" y="2658457"/>
+            <a:ext cx="744167" cy="117103"/>
+          </a:xfrm>
+          <a:prstGeom prst="rect">
+            <a:avLst/>
+          </a:prstGeom>
+          <a:solidFill>
+            <a:schemeClr val="accent4">
+              <a:lumMod val="75000"/>
+            </a:schemeClr>
+          </a:solidFill>
+        </p:spPr>
+        <p:style>
+          <a:lnRef idx="2">
+            <a:schemeClr val="accent1">
+              <a:shade val="50000"/>
+            </a:schemeClr>
+          </a:lnRef>
+          <a:fillRef idx="1">
+            <a:schemeClr val="accent1"/>
+          </a:fillRef>
+          <a:effectRef idx="0">
+            <a:schemeClr val="accent1"/>
+          </a:effectRef>
+          <a:fontRef idx="minor">
+            <a:schemeClr val="lt1"/>
+          </a:fontRef>
+        </p:style>
+        <p:txBody>
+          <a:bodyPr rtlCol="0" anchor="ctr"/>
+          <a:lstStyle/>
+          <a:p>
+            <a:pPr algn="ctr"/>
+            <a:endParaRPr lang="en-US"/>
+          </a:p>
+        </p:txBody>
+      </p:sp>
+      <p:sp>
+        <p:nvSpPr>
+          <p:cNvPr id="10" name="Rectangle 9">
+            <a:extLst>
+              <a:ext uri="{FF2B5EF4-FFF2-40B4-BE49-F238E27FC236}">
+                <a16:creationId xmlns:a16="http://schemas.microsoft.com/office/drawing/2014/main" id="{EEFC270A-3FC4-7281-BD81-779E76429653}"/>
+              </a:ext>
+            </a:extLst>
+          </p:cNvPr>
+          <p:cNvSpPr/>
+          <p:nvPr/>
+        </p:nvSpPr>
+        <p:spPr>
+          <a:xfrm>
+            <a:off x="1003200" y="4033414"/>
+            <a:ext cx="744167" cy="590779"/>
+          </a:xfrm>
+          <a:prstGeom prst="rect">
+            <a:avLst/>
+          </a:prstGeom>
+          <a:solidFill>
+            <a:srgbClr val="00B0F0"/>
+          </a:solidFill>
+        </p:spPr>
+        <p:style>
+          <a:lnRef idx="2">
+            <a:schemeClr val="accent1">
+              <a:shade val="50000"/>
+            </a:schemeClr>
+          </a:lnRef>
+          <a:fillRef idx="1">
+            <a:schemeClr val="accent1"/>
+          </a:fillRef>
+          <a:effectRef idx="0">
+            <a:schemeClr val="accent1"/>
+          </a:effectRef>
+          <a:fontRef idx="minor">
+            <a:schemeClr val="lt1"/>
+          </a:fontRef>
+        </p:style>
+        <p:txBody>
+          <a:bodyPr rtlCol="0" anchor="ctr"/>
+          <a:lstStyle/>
+          <a:p>
+            <a:pPr algn="ctr"/>
+            <a:endParaRPr lang="en-US"/>
+          </a:p>
+        </p:txBody>
+      </p:sp>
+      <p:sp>
+        <p:nvSpPr>
+          <p:cNvPr id="11" name="Rectangle 10">
+            <a:extLst>
+              <a:ext uri="{FF2B5EF4-FFF2-40B4-BE49-F238E27FC236}">
+                <a16:creationId xmlns:a16="http://schemas.microsoft.com/office/drawing/2014/main" id="{49BA61B6-FE8B-9CEA-1A34-CC6B1C5143A8}"/>
+              </a:ext>
+            </a:extLst>
+          </p:cNvPr>
+          <p:cNvSpPr/>
+          <p:nvPr/>
+        </p:nvSpPr>
+        <p:spPr>
+          <a:xfrm>
+            <a:off x="1003200" y="4039283"/>
+            <a:ext cx="744167" cy="117103"/>
+          </a:xfrm>
+          <a:prstGeom prst="rect">
+            <a:avLst/>
+          </a:prstGeom>
+          <a:solidFill>
+            <a:schemeClr val="accent1">
+              <a:lumMod val="50000"/>
+            </a:schemeClr>
+          </a:solidFill>
+        </p:spPr>
+        <p:style>
+          <a:lnRef idx="2">
+            <a:schemeClr val="accent1">
+              <a:shade val="50000"/>
+            </a:schemeClr>
+          </a:lnRef>
+          <a:fillRef idx="1">
+            <a:schemeClr val="accent1"/>
+          </a:fillRef>
+          <a:effectRef idx="0">
+            <a:schemeClr val="accent1"/>
+          </a:effectRef>
+          <a:fontRef idx="minor">
+            <a:schemeClr val="lt1"/>
+          </a:fontRef>
+        </p:style>
+        <p:txBody>
+          <a:bodyPr rtlCol="0" anchor="ctr"/>
+          <a:lstStyle/>
+          <a:p>
+            <a:pPr algn="ctr"/>
+            <a:endParaRPr lang="en-US"/>
+          </a:p>
+        </p:txBody>
+      </p:sp>
+      <p:sp>
+        <p:nvSpPr>
+          <p:cNvPr id="12" name="Rectangle 11">
+            <a:extLst>
+              <a:ext uri="{FF2B5EF4-FFF2-40B4-BE49-F238E27FC236}">
+                <a16:creationId xmlns:a16="http://schemas.microsoft.com/office/drawing/2014/main" id="{FFC6B68F-0612-DE77-CF7E-449B50A41CD8}"/>
+              </a:ext>
+            </a:extLst>
+          </p:cNvPr>
+          <p:cNvSpPr/>
+          <p:nvPr/>
+        </p:nvSpPr>
+        <p:spPr>
+          <a:xfrm>
+            <a:off x="1003199" y="4491728"/>
+            <a:ext cx="744167" cy="117103"/>
+          </a:xfrm>
+          <a:prstGeom prst="rect">
+            <a:avLst/>
+          </a:prstGeom>
+          <a:solidFill>
+            <a:schemeClr val="accent1">
+              <a:lumMod val="50000"/>
+            </a:schemeClr>
+          </a:solidFill>
+        </p:spPr>
+        <p:style>
+          <a:lnRef idx="2">
+            <a:schemeClr val="accent1">
+              <a:shade val="50000"/>
+            </a:schemeClr>
+          </a:lnRef>
+          <a:fillRef idx="1">
+            <a:schemeClr val="accent1"/>
+          </a:fillRef>
+          <a:effectRef idx="0">
+            <a:schemeClr val="accent1"/>
+          </a:effectRef>
+          <a:fontRef idx="minor">
+            <a:schemeClr val="lt1"/>
+          </a:fontRef>
+        </p:style>
+        <p:txBody>
+          <a:bodyPr rtlCol="0" anchor="ctr"/>
+          <a:lstStyle/>
+          <a:p>
+            <a:pPr algn="ctr"/>
+            <a:endParaRPr lang="en-US"/>
+          </a:p>
+        </p:txBody>
+      </p:sp>
+      <p:sp>
+        <p:nvSpPr>
+          <p:cNvPr id="13" name="Rectangle 12">
+            <a:extLst>
+              <a:ext uri="{FF2B5EF4-FFF2-40B4-BE49-F238E27FC236}">
+                <a16:creationId xmlns:a16="http://schemas.microsoft.com/office/drawing/2014/main" id="{F8FDDCD9-890F-45CA-C4B3-4187847D5AD4}"/>
+              </a:ext>
+            </a:extLst>
+          </p:cNvPr>
+          <p:cNvSpPr/>
+          <p:nvPr/>
+        </p:nvSpPr>
+        <p:spPr>
+          <a:xfrm>
+            <a:off x="994083" y="4210635"/>
+            <a:ext cx="744167" cy="117103"/>
+          </a:xfrm>
+          <a:prstGeom prst="rect">
+            <a:avLst/>
+          </a:prstGeom>
+          <a:solidFill>
+            <a:schemeClr val="accent6">
+              <a:lumMod val="75000"/>
+            </a:schemeClr>
+          </a:solidFill>
+        </p:spPr>
+        <p:style>
+          <a:lnRef idx="2">
+            <a:schemeClr val="accent1">
+              <a:shade val="50000"/>
+            </a:schemeClr>
+          </a:lnRef>
+          <a:fillRef idx="1">
+            <a:schemeClr val="accent1"/>
+          </a:fillRef>
+          <a:effectRef idx="0">
+            <a:schemeClr val="accent1"/>
+          </a:effectRef>
+          <a:fontRef idx="minor">
+            <a:schemeClr val="lt1"/>
+          </a:fontRef>
+        </p:style>
+        <p:txBody>
+          <a:bodyPr rtlCol="0" anchor="ctr"/>
+          <a:lstStyle/>
+          <a:p>
+            <a:pPr algn="ctr"/>
+            <a:endParaRPr lang="en-US"/>
+          </a:p>
+        </p:txBody>
+      </p:sp>
+      <p:sp>
+        <p:nvSpPr>
+          <p:cNvPr id="15" name="Rectangle 14">
+            <a:extLst>
+              <a:ext uri="{FF2B5EF4-FFF2-40B4-BE49-F238E27FC236}">
+                <a16:creationId xmlns:a16="http://schemas.microsoft.com/office/drawing/2014/main" id="{BB721AAC-81EB-54B9-A1DF-EAAC6F342118}"/>
+              </a:ext>
+            </a:extLst>
+          </p:cNvPr>
+          <p:cNvSpPr/>
+          <p:nvPr/>
+        </p:nvSpPr>
+        <p:spPr>
+          <a:xfrm>
+            <a:off x="1003199" y="4313568"/>
+            <a:ext cx="744167" cy="117103"/>
+          </a:xfrm>
+          <a:prstGeom prst="rect">
+            <a:avLst/>
+          </a:prstGeom>
+          <a:solidFill>
+            <a:schemeClr val="accent4">
+              <a:lumMod val="75000"/>
+            </a:schemeClr>
+          </a:solidFill>
+        </p:spPr>
+        <p:style>
+          <a:lnRef idx="2">
+            <a:schemeClr val="accent1">
+              <a:shade val="50000"/>
+            </a:schemeClr>
+          </a:lnRef>
+          <a:fillRef idx="1">
+            <a:schemeClr val="accent1"/>
+          </a:fillRef>
+          <a:effectRef idx="0">
+            <a:schemeClr val="accent1"/>
+          </a:effectRef>
+          <a:fontRef idx="minor">
+            <a:schemeClr val="lt1"/>
+          </a:fontRef>
+        </p:style>
+        <p:txBody>
+          <a:bodyPr rtlCol="0" anchor="ctr"/>
+          <a:lstStyle/>
+          <a:p>
+            <a:pPr algn="ctr"/>
+            <a:endParaRPr lang="en-US"/>
+          </a:p>
+        </p:txBody>
+      </p:sp>
+      <p:sp>
+        <p:nvSpPr>
+          <p:cNvPr id="18" name="Rectangle 17">
+            <a:extLst>
+              <a:ext uri="{FF2B5EF4-FFF2-40B4-BE49-F238E27FC236}">
+                <a16:creationId xmlns:a16="http://schemas.microsoft.com/office/drawing/2014/main" id="{FCA9AA27-DBD9-9570-71D6-0A06D0C111F1}"/>
+              </a:ext>
+            </a:extLst>
+          </p:cNvPr>
+          <p:cNvSpPr/>
+          <p:nvPr/>
+        </p:nvSpPr>
+        <p:spPr>
+          <a:xfrm>
+            <a:off x="1149013" y="4091965"/>
+            <a:ext cx="744167" cy="590779"/>
+          </a:xfrm>
+          <a:prstGeom prst="rect">
+            <a:avLst/>
+          </a:prstGeom>
+          <a:solidFill>
+            <a:srgbClr val="00B0F0"/>
+          </a:solidFill>
+        </p:spPr>
+        <p:style>
+          <a:lnRef idx="2">
+            <a:schemeClr val="accent1">
+              <a:shade val="50000"/>
+            </a:schemeClr>
+          </a:lnRef>
+          <a:fillRef idx="1">
+            <a:schemeClr val="accent1"/>
+          </a:fillRef>
+          <a:effectRef idx="0">
+            <a:schemeClr val="accent1"/>
+          </a:effectRef>
+          <a:fontRef idx="minor">
+            <a:schemeClr val="lt1"/>
+          </a:fontRef>
+        </p:style>
+        <p:txBody>
+          <a:bodyPr rtlCol="0" anchor="ctr"/>
+          <a:lstStyle/>
+          <a:p>
+            <a:pPr algn="ctr"/>
+            <a:endParaRPr lang="en-US"/>
+          </a:p>
+        </p:txBody>
+      </p:sp>
+      <p:sp>
+        <p:nvSpPr>
+          <p:cNvPr id="23" name="Rectangle 22">
+            <a:extLst>
+              <a:ext uri="{FF2B5EF4-FFF2-40B4-BE49-F238E27FC236}">
+                <a16:creationId xmlns:a16="http://schemas.microsoft.com/office/drawing/2014/main" id="{C9BCE7CD-8269-A91D-6A72-46E9D8A06684}"/>
+              </a:ext>
+            </a:extLst>
+          </p:cNvPr>
+          <p:cNvSpPr/>
+          <p:nvPr/>
+        </p:nvSpPr>
+        <p:spPr>
+          <a:xfrm>
+            <a:off x="1149013" y="4097834"/>
+            <a:ext cx="744167" cy="117103"/>
+          </a:xfrm>
+          <a:prstGeom prst="rect">
+            <a:avLst/>
+          </a:prstGeom>
+          <a:solidFill>
+            <a:schemeClr val="accent1">
+              <a:lumMod val="50000"/>
+            </a:schemeClr>
+          </a:solidFill>
+        </p:spPr>
+        <p:style>
+          <a:lnRef idx="2">
+            <a:schemeClr val="accent1">
+              <a:shade val="50000"/>
+            </a:schemeClr>
+          </a:lnRef>
+          <a:fillRef idx="1">
+            <a:schemeClr val="accent1"/>
+          </a:fillRef>
+          <a:effectRef idx="0">
+            <a:schemeClr val="accent1"/>
+          </a:effectRef>
+          <a:fontRef idx="minor">
+            <a:schemeClr val="lt1"/>
+          </a:fontRef>
+        </p:style>
+        <p:txBody>
+          <a:bodyPr rtlCol="0" anchor="ctr"/>
+          <a:lstStyle/>
+          <a:p>
+            <a:pPr algn="ctr"/>
+            <a:endParaRPr lang="en-US"/>
+          </a:p>
+        </p:txBody>
+      </p:sp>
+      <p:sp>
+        <p:nvSpPr>
+          <p:cNvPr id="29" name="Rectangle 28">
+            <a:extLst>
+              <a:ext uri="{FF2B5EF4-FFF2-40B4-BE49-F238E27FC236}">
+                <a16:creationId xmlns:a16="http://schemas.microsoft.com/office/drawing/2014/main" id="{E20A9D6E-12EC-7938-69A0-969CC31A9948}"/>
+              </a:ext>
+            </a:extLst>
+          </p:cNvPr>
+          <p:cNvSpPr/>
+          <p:nvPr/>
+        </p:nvSpPr>
+        <p:spPr>
+          <a:xfrm>
+            <a:off x="1149012" y="4550279"/>
+            <a:ext cx="744167" cy="117103"/>
+          </a:xfrm>
+          <a:prstGeom prst="rect">
+            <a:avLst/>
+          </a:prstGeom>
+          <a:solidFill>
+            <a:schemeClr val="accent1">
+              <a:lumMod val="50000"/>
+            </a:schemeClr>
+          </a:solidFill>
+        </p:spPr>
+        <p:style>
+          <a:lnRef idx="2">
+            <a:schemeClr val="accent1">
+              <a:shade val="50000"/>
+            </a:schemeClr>
+          </a:lnRef>
+          <a:fillRef idx="1">
+            <a:schemeClr val="accent1"/>
+          </a:fillRef>
+          <a:effectRef idx="0">
+            <a:schemeClr val="accent1"/>
+          </a:effectRef>
+          <a:fontRef idx="minor">
+            <a:schemeClr val="lt1"/>
+          </a:fontRef>
+        </p:style>
+        <p:txBody>
+          <a:bodyPr rtlCol="0" anchor="ctr"/>
+          <a:lstStyle/>
+          <a:p>
+            <a:pPr algn="ctr"/>
+            <a:endParaRPr lang="en-US"/>
+          </a:p>
+        </p:txBody>
+      </p:sp>
+      <p:sp>
+        <p:nvSpPr>
+          <p:cNvPr id="32" name="Rectangle 31">
+            <a:extLst>
+              <a:ext uri="{FF2B5EF4-FFF2-40B4-BE49-F238E27FC236}">
+                <a16:creationId xmlns:a16="http://schemas.microsoft.com/office/drawing/2014/main" id="{2D632F79-7786-5D2C-F6EA-814D4B1E4DD3}"/>
+              </a:ext>
+            </a:extLst>
+          </p:cNvPr>
+          <p:cNvSpPr/>
+          <p:nvPr/>
+        </p:nvSpPr>
+        <p:spPr>
+          <a:xfrm>
+            <a:off x="1139896" y="4269186"/>
+            <a:ext cx="744167" cy="117103"/>
+          </a:xfrm>
+          <a:prstGeom prst="rect">
+            <a:avLst/>
+          </a:prstGeom>
+          <a:solidFill>
+            <a:schemeClr val="accent6">
+              <a:lumMod val="75000"/>
+            </a:schemeClr>
+          </a:solidFill>
+        </p:spPr>
+        <p:style>
+          <a:lnRef idx="2">
+            <a:schemeClr val="accent1">
+              <a:shade val="50000"/>
+            </a:schemeClr>
+          </a:lnRef>
+          <a:fillRef idx="1">
+            <a:schemeClr val="accent1"/>
+          </a:fillRef>
+          <a:effectRef idx="0">
+            <a:schemeClr val="accent1"/>
+          </a:effectRef>
+          <a:fontRef idx="minor">
+            <a:schemeClr val="lt1"/>
+          </a:fontRef>
+        </p:style>
+        <p:txBody>
+          <a:bodyPr rtlCol="0" anchor="ctr"/>
+          <a:lstStyle/>
+          <a:p>
+            <a:pPr algn="ctr"/>
+            <a:endParaRPr lang="en-US"/>
+          </a:p>
+        </p:txBody>
+      </p:sp>
+      <p:sp>
+        <p:nvSpPr>
+          <p:cNvPr id="35" name="Rectangle 34">
+            <a:extLst>
+              <a:ext uri="{FF2B5EF4-FFF2-40B4-BE49-F238E27FC236}">
+                <a16:creationId xmlns:a16="http://schemas.microsoft.com/office/drawing/2014/main" id="{BE58FD31-89BF-F420-CA9C-1E75B20D4C88}"/>
+              </a:ext>
+            </a:extLst>
+          </p:cNvPr>
+          <p:cNvSpPr/>
+          <p:nvPr/>
+        </p:nvSpPr>
+        <p:spPr>
+          <a:xfrm>
+            <a:off x="1149012" y="4372119"/>
+            <a:ext cx="744167" cy="117103"/>
+          </a:xfrm>
+          <a:prstGeom prst="rect">
+            <a:avLst/>
+          </a:prstGeom>
+          <a:solidFill>
+            <a:schemeClr val="accent4">
+              <a:lumMod val="75000"/>
+            </a:schemeClr>
+          </a:solidFill>
+        </p:spPr>
+        <p:style>
+          <a:lnRef idx="2">
+            <a:schemeClr val="accent1">
+              <a:shade val="50000"/>
+            </a:schemeClr>
+          </a:lnRef>
+          <a:fillRef idx="1">
+            <a:schemeClr val="accent1"/>
+          </a:fillRef>
+          <a:effectRef idx="0">
+            <a:schemeClr val="accent1"/>
+          </a:effectRef>
+          <a:fontRef idx="minor">
+            <a:schemeClr val="lt1"/>
+          </a:fontRef>
+        </p:style>
+        <p:txBody>
+          <a:bodyPr rtlCol="0" anchor="ctr"/>
+          <a:lstStyle/>
+          <a:p>
+            <a:pPr algn="ctr"/>
+            <a:endParaRPr lang="en-US"/>
+          </a:p>
+        </p:txBody>
+      </p:sp>
+      <p:sp>
+        <p:nvSpPr>
+          <p:cNvPr id="70" name="Rectangle 69">
+            <a:extLst>
+              <a:ext uri="{FF2B5EF4-FFF2-40B4-BE49-F238E27FC236}">
+                <a16:creationId xmlns:a16="http://schemas.microsoft.com/office/drawing/2014/main" id="{394DF01B-A44B-D61E-24EF-9796A61829DE}"/>
+              </a:ext>
+            </a:extLst>
+          </p:cNvPr>
+          <p:cNvSpPr/>
+          <p:nvPr/>
+        </p:nvSpPr>
+        <p:spPr>
+          <a:xfrm>
+            <a:off x="3435114" y="3968257"/>
+            <a:ext cx="744167" cy="590779"/>
+          </a:xfrm>
+          <a:prstGeom prst="rect">
+            <a:avLst/>
+          </a:prstGeom>
+          <a:solidFill>
+            <a:srgbClr val="00B0F0"/>
+          </a:solidFill>
+        </p:spPr>
+        <p:style>
+          <a:lnRef idx="2">
+            <a:schemeClr val="accent1">
+              <a:shade val="50000"/>
+            </a:schemeClr>
+          </a:lnRef>
+          <a:fillRef idx="1">
+            <a:schemeClr val="accent1"/>
+          </a:fillRef>
+          <a:effectRef idx="0">
+            <a:schemeClr val="accent1"/>
+          </a:effectRef>
+          <a:fontRef idx="minor">
+            <a:schemeClr val="lt1"/>
+          </a:fontRef>
+        </p:style>
+        <p:txBody>
+          <a:bodyPr rtlCol="0" anchor="ctr"/>
+          <a:lstStyle/>
+          <a:p>
+            <a:pPr algn="ctr"/>
+            <a:endParaRPr lang="en-US"/>
+          </a:p>
+        </p:txBody>
+      </p:sp>
+      <p:sp>
+        <p:nvSpPr>
+          <p:cNvPr id="71" name="Rectangle 70">
+            <a:extLst>
+              <a:ext uri="{FF2B5EF4-FFF2-40B4-BE49-F238E27FC236}">
+                <a16:creationId xmlns:a16="http://schemas.microsoft.com/office/drawing/2014/main" id="{75D9D2E5-0424-2002-9224-71BA93B44ADD}"/>
+              </a:ext>
+            </a:extLst>
+          </p:cNvPr>
+          <p:cNvSpPr/>
+          <p:nvPr/>
+        </p:nvSpPr>
+        <p:spPr>
+          <a:xfrm>
+            <a:off x="3435114" y="3974126"/>
+            <a:ext cx="744167" cy="117103"/>
+          </a:xfrm>
+          <a:prstGeom prst="rect">
+            <a:avLst/>
+          </a:prstGeom>
+          <a:solidFill>
+            <a:schemeClr val="accent1">
+              <a:lumMod val="50000"/>
+            </a:schemeClr>
+          </a:solidFill>
+        </p:spPr>
+        <p:style>
+          <a:lnRef idx="2">
+            <a:schemeClr val="accent1">
+              <a:shade val="50000"/>
+            </a:schemeClr>
+          </a:lnRef>
+          <a:fillRef idx="1">
+            <a:schemeClr val="accent1"/>
+          </a:fillRef>
+          <a:effectRef idx="0">
+            <a:schemeClr val="accent1"/>
+          </a:effectRef>
+          <a:fontRef idx="minor">
+            <a:schemeClr val="lt1"/>
+          </a:fontRef>
+        </p:style>
+        <p:txBody>
+          <a:bodyPr rtlCol="0" anchor="ctr"/>
+          <a:lstStyle/>
+          <a:p>
+            <a:pPr algn="ctr"/>
+            <a:endParaRPr lang="en-US"/>
+          </a:p>
+        </p:txBody>
+      </p:sp>
+      <p:sp>
+        <p:nvSpPr>
+          <p:cNvPr id="72" name="Rectangle 71">
+            <a:extLst>
+              <a:ext uri="{FF2B5EF4-FFF2-40B4-BE49-F238E27FC236}">
+                <a16:creationId xmlns:a16="http://schemas.microsoft.com/office/drawing/2014/main" id="{AFC1239F-32A3-19BF-980B-232C12DAF174}"/>
+              </a:ext>
+            </a:extLst>
+          </p:cNvPr>
+          <p:cNvSpPr/>
+          <p:nvPr/>
+        </p:nvSpPr>
+        <p:spPr>
+          <a:xfrm>
+            <a:off x="3435113" y="4426571"/>
+            <a:ext cx="744167" cy="117103"/>
+          </a:xfrm>
+          <a:prstGeom prst="rect">
+            <a:avLst/>
+          </a:prstGeom>
+          <a:solidFill>
+            <a:schemeClr val="accent1">
+              <a:lumMod val="50000"/>
+            </a:schemeClr>
+          </a:solidFill>
+        </p:spPr>
+        <p:style>
+          <a:lnRef idx="2">
+            <a:schemeClr val="accent1">
+              <a:shade val="50000"/>
+            </a:schemeClr>
+          </a:lnRef>
+          <a:fillRef idx="1">
+            <a:schemeClr val="accent1"/>
+          </a:fillRef>
+          <a:effectRef idx="0">
+            <a:schemeClr val="accent1"/>
+          </a:effectRef>
+          <a:fontRef idx="minor">
+            <a:schemeClr val="lt1"/>
+          </a:fontRef>
+        </p:style>
+        <p:txBody>
+          <a:bodyPr rtlCol="0" anchor="ctr"/>
+          <a:lstStyle/>
+          <a:p>
+            <a:pPr algn="ctr"/>
+            <a:endParaRPr lang="en-US"/>
+          </a:p>
+        </p:txBody>
+      </p:sp>
+      <p:sp>
+        <p:nvSpPr>
+          <p:cNvPr id="73" name="Rectangle 72">
+            <a:extLst>
+              <a:ext uri="{FF2B5EF4-FFF2-40B4-BE49-F238E27FC236}">
+                <a16:creationId xmlns:a16="http://schemas.microsoft.com/office/drawing/2014/main" id="{53EDC6B6-3121-8FDD-E2F3-0120BE6237E2}"/>
+              </a:ext>
+            </a:extLst>
+          </p:cNvPr>
+          <p:cNvSpPr/>
+          <p:nvPr/>
+        </p:nvSpPr>
+        <p:spPr>
+          <a:xfrm>
+            <a:off x="3425997" y="4145478"/>
+            <a:ext cx="744167" cy="117103"/>
+          </a:xfrm>
+          <a:prstGeom prst="rect">
+            <a:avLst/>
+          </a:prstGeom>
+          <a:solidFill>
+            <a:schemeClr val="accent6">
+              <a:lumMod val="75000"/>
+            </a:schemeClr>
+          </a:solidFill>
+        </p:spPr>
+        <p:style>
+          <a:lnRef idx="2">
+            <a:schemeClr val="accent1">
+              <a:shade val="50000"/>
+            </a:schemeClr>
+          </a:lnRef>
+          <a:fillRef idx="1">
+            <a:schemeClr val="accent1"/>
+          </a:fillRef>
+          <a:effectRef idx="0">
+            <a:schemeClr val="accent1"/>
+          </a:effectRef>
+          <a:fontRef idx="minor">
+            <a:schemeClr val="lt1"/>
+          </a:fontRef>
+        </p:style>
+        <p:txBody>
+          <a:bodyPr rtlCol="0" anchor="ctr"/>
+          <a:lstStyle/>
+          <a:p>
+            <a:pPr algn="ctr"/>
+            <a:endParaRPr lang="en-US"/>
+          </a:p>
+        </p:txBody>
+      </p:sp>
+      <p:sp>
+        <p:nvSpPr>
+          <p:cNvPr id="74" name="Rectangle 73">
+            <a:extLst>
+              <a:ext uri="{FF2B5EF4-FFF2-40B4-BE49-F238E27FC236}">
+                <a16:creationId xmlns:a16="http://schemas.microsoft.com/office/drawing/2014/main" id="{F23342C5-8D22-98EB-8507-A4F500EEFD8F}"/>
+              </a:ext>
+            </a:extLst>
+          </p:cNvPr>
+          <p:cNvSpPr/>
+          <p:nvPr/>
+        </p:nvSpPr>
+        <p:spPr>
+          <a:xfrm>
+            <a:off x="3435113" y="4248411"/>
+            <a:ext cx="744167" cy="117103"/>
+          </a:xfrm>
+          <a:prstGeom prst="rect">
+            <a:avLst/>
+          </a:prstGeom>
+          <a:solidFill>
+            <a:schemeClr val="accent4">
+              <a:lumMod val="75000"/>
+            </a:schemeClr>
+          </a:solidFill>
+        </p:spPr>
+        <p:style>
+          <a:lnRef idx="2">
+            <a:schemeClr val="accent1">
+              <a:shade val="50000"/>
+            </a:schemeClr>
+          </a:lnRef>
+          <a:fillRef idx="1">
+            <a:schemeClr val="accent1"/>
+          </a:fillRef>
+          <a:effectRef idx="0">
+            <a:schemeClr val="accent1"/>
+          </a:effectRef>
+          <a:fontRef idx="minor">
+            <a:schemeClr val="lt1"/>
+          </a:fontRef>
+        </p:style>
+        <p:txBody>
+          <a:bodyPr rtlCol="0" anchor="ctr"/>
+          <a:lstStyle/>
+          <a:p>
+            <a:pPr algn="ctr"/>
+            <a:endParaRPr lang="en-US"/>
+          </a:p>
+        </p:txBody>
+      </p:sp>
+      <p:sp>
+        <p:nvSpPr>
+          <p:cNvPr id="75" name="Rectangle 74">
+            <a:extLst>
+              <a:ext uri="{FF2B5EF4-FFF2-40B4-BE49-F238E27FC236}">
+                <a16:creationId xmlns:a16="http://schemas.microsoft.com/office/drawing/2014/main" id="{35B2A71F-DBBE-92AB-76B5-60CB9157D015}"/>
+              </a:ext>
+            </a:extLst>
+          </p:cNvPr>
+          <p:cNvSpPr/>
+          <p:nvPr/>
+        </p:nvSpPr>
+        <p:spPr>
+          <a:xfrm>
+            <a:off x="3627538" y="4034143"/>
+            <a:ext cx="744167" cy="590779"/>
+          </a:xfrm>
+          <a:prstGeom prst="rect">
+            <a:avLst/>
+          </a:prstGeom>
+          <a:solidFill>
+            <a:srgbClr val="00B0F0"/>
+          </a:solidFill>
+        </p:spPr>
+        <p:style>
+          <a:lnRef idx="2">
+            <a:schemeClr val="accent1">
+              <a:shade val="50000"/>
+            </a:schemeClr>
+          </a:lnRef>
+          <a:fillRef idx="1">
+            <a:schemeClr val="accent1"/>
+          </a:fillRef>
+          <a:effectRef idx="0">
+            <a:schemeClr val="accent1"/>
+          </a:effectRef>
+          <a:fontRef idx="minor">
+            <a:schemeClr val="lt1"/>
+          </a:fontRef>
+        </p:style>
+        <p:txBody>
+          <a:bodyPr rtlCol="0" anchor="ctr"/>
+          <a:lstStyle/>
+          <a:p>
+            <a:pPr algn="ctr"/>
+            <a:endParaRPr lang="en-US"/>
+          </a:p>
+        </p:txBody>
+      </p:sp>
+      <p:sp>
+        <p:nvSpPr>
+          <p:cNvPr id="76" name="Rectangle 75">
+            <a:extLst>
+              <a:ext uri="{FF2B5EF4-FFF2-40B4-BE49-F238E27FC236}">
+                <a16:creationId xmlns:a16="http://schemas.microsoft.com/office/drawing/2014/main" id="{B9A509B6-0F1D-0BEC-E6F6-52836A69D802}"/>
+              </a:ext>
+            </a:extLst>
+          </p:cNvPr>
+          <p:cNvSpPr/>
+          <p:nvPr/>
+        </p:nvSpPr>
+        <p:spPr>
+          <a:xfrm>
+            <a:off x="3627538" y="4040012"/>
+            <a:ext cx="744167" cy="117103"/>
+          </a:xfrm>
+          <a:prstGeom prst="rect">
+            <a:avLst/>
+          </a:prstGeom>
+          <a:solidFill>
+            <a:schemeClr val="accent1">
+              <a:lumMod val="50000"/>
+            </a:schemeClr>
+          </a:solidFill>
+        </p:spPr>
+        <p:style>
+          <a:lnRef idx="2">
+            <a:schemeClr val="accent1">
+              <a:shade val="50000"/>
+            </a:schemeClr>
+          </a:lnRef>
+          <a:fillRef idx="1">
+            <a:schemeClr val="accent1"/>
+          </a:fillRef>
+          <a:effectRef idx="0">
+            <a:schemeClr val="accent1"/>
+          </a:effectRef>
+          <a:fontRef idx="minor">
+            <a:schemeClr val="lt1"/>
+          </a:fontRef>
+        </p:style>
+        <p:txBody>
+          <a:bodyPr rtlCol="0" anchor="ctr"/>
+          <a:lstStyle/>
+          <a:p>
+            <a:pPr algn="ctr"/>
+            <a:endParaRPr lang="en-US"/>
+          </a:p>
+        </p:txBody>
+      </p:sp>
+      <p:sp>
+        <p:nvSpPr>
+          <p:cNvPr id="77" name="Rectangle 76">
+            <a:extLst>
+              <a:ext uri="{FF2B5EF4-FFF2-40B4-BE49-F238E27FC236}">
+                <a16:creationId xmlns:a16="http://schemas.microsoft.com/office/drawing/2014/main" id="{364DEE84-A63C-8240-DE0C-157A9DD525B7}"/>
+              </a:ext>
+            </a:extLst>
+          </p:cNvPr>
+          <p:cNvSpPr/>
+          <p:nvPr/>
+        </p:nvSpPr>
+        <p:spPr>
+          <a:xfrm>
+            <a:off x="3627537" y="4492457"/>
+            <a:ext cx="744167" cy="117103"/>
+          </a:xfrm>
+          <a:prstGeom prst="rect">
+            <a:avLst/>
+          </a:prstGeom>
+          <a:solidFill>
+            <a:schemeClr val="accent1">
+              <a:lumMod val="50000"/>
+            </a:schemeClr>
+          </a:solidFill>
+        </p:spPr>
+        <p:style>
+          <a:lnRef idx="2">
+            <a:schemeClr val="accent1">
+              <a:shade val="50000"/>
+            </a:schemeClr>
+          </a:lnRef>
+          <a:fillRef idx="1">
+            <a:schemeClr val="accent1"/>
+          </a:fillRef>
+          <a:effectRef idx="0">
+            <a:schemeClr val="accent1"/>
+          </a:effectRef>
+          <a:fontRef idx="minor">
+            <a:schemeClr val="lt1"/>
+          </a:fontRef>
+        </p:style>
+        <p:txBody>
+          <a:bodyPr rtlCol="0" anchor="ctr"/>
+          <a:lstStyle/>
+          <a:p>
+            <a:pPr algn="ctr"/>
+            <a:endParaRPr lang="en-US"/>
+          </a:p>
+        </p:txBody>
+      </p:sp>
+      <p:sp>
+        <p:nvSpPr>
+          <p:cNvPr id="78" name="Rectangle 77">
+            <a:extLst>
+              <a:ext uri="{FF2B5EF4-FFF2-40B4-BE49-F238E27FC236}">
+                <a16:creationId xmlns:a16="http://schemas.microsoft.com/office/drawing/2014/main" id="{C2608699-17A6-792B-2E56-6AAEAE20E21A}"/>
+              </a:ext>
+            </a:extLst>
+          </p:cNvPr>
+          <p:cNvSpPr/>
+          <p:nvPr/>
+        </p:nvSpPr>
+        <p:spPr>
+          <a:xfrm>
+            <a:off x="3618421" y="4211364"/>
+            <a:ext cx="744167" cy="117103"/>
+          </a:xfrm>
+          <a:prstGeom prst="rect">
+            <a:avLst/>
+          </a:prstGeom>
+          <a:solidFill>
+            <a:schemeClr val="accent6">
+              <a:lumMod val="75000"/>
+            </a:schemeClr>
+          </a:solidFill>
+        </p:spPr>
+        <p:style>
+          <a:lnRef idx="2">
+            <a:schemeClr val="accent1">
+              <a:shade val="50000"/>
+            </a:schemeClr>
+          </a:lnRef>
+          <a:fillRef idx="1">
+            <a:schemeClr val="accent1"/>
+          </a:fillRef>
+          <a:effectRef idx="0">
+            <a:schemeClr val="accent1"/>
+          </a:effectRef>
+          <a:fontRef idx="minor">
+            <a:schemeClr val="lt1"/>
+          </a:fontRef>
+        </p:style>
+        <p:txBody>
+          <a:bodyPr rtlCol="0" anchor="ctr"/>
+          <a:lstStyle/>
+          <a:p>
+            <a:pPr algn="ctr"/>
+            <a:endParaRPr lang="en-US"/>
+          </a:p>
+        </p:txBody>
+      </p:sp>
+      <p:sp>
+        <p:nvSpPr>
+          <p:cNvPr id="79" name="Rectangle 78">
+            <a:extLst>
+              <a:ext uri="{FF2B5EF4-FFF2-40B4-BE49-F238E27FC236}">
+                <a16:creationId xmlns:a16="http://schemas.microsoft.com/office/drawing/2014/main" id="{51B68EE4-ACC8-19C4-E999-C92BD745CB53}"/>
+              </a:ext>
+            </a:extLst>
+          </p:cNvPr>
+          <p:cNvSpPr/>
+          <p:nvPr/>
+        </p:nvSpPr>
+        <p:spPr>
+          <a:xfrm>
+            <a:off x="3627537" y="4314297"/>
+            <a:ext cx="744167" cy="117103"/>
+          </a:xfrm>
+          <a:prstGeom prst="rect">
+            <a:avLst/>
+          </a:prstGeom>
+          <a:solidFill>
+            <a:schemeClr val="accent4">
+              <a:lumMod val="75000"/>
+            </a:schemeClr>
+          </a:solidFill>
+        </p:spPr>
+        <p:style>
+          <a:lnRef idx="2">
+            <a:schemeClr val="accent1">
+              <a:shade val="50000"/>
+            </a:schemeClr>
+          </a:lnRef>
+          <a:fillRef idx="1">
+            <a:schemeClr val="accent1"/>
+          </a:fillRef>
+          <a:effectRef idx="0">
+            <a:schemeClr val="accent1"/>
+          </a:effectRef>
+          <a:fontRef idx="minor">
+            <a:schemeClr val="lt1"/>
+          </a:fontRef>
+        </p:style>
+        <p:txBody>
+          <a:bodyPr rtlCol="0" anchor="ctr"/>
+          <a:lstStyle/>
+          <a:p>
+            <a:pPr algn="ctr"/>
+            <a:endParaRPr lang="en-US"/>
+          </a:p>
+        </p:txBody>
+      </p:sp>
+      <p:sp>
+        <p:nvSpPr>
+          <p:cNvPr id="81" name="TextBox 80">
+            <a:extLst>
+              <a:ext uri="{FF2B5EF4-FFF2-40B4-BE49-F238E27FC236}">
+                <a16:creationId xmlns:a16="http://schemas.microsoft.com/office/drawing/2014/main" id="{0667144D-F6D9-729C-60FF-2D02CBBCE6DF}"/>
+              </a:ext>
+            </a:extLst>
+          </p:cNvPr>
+          <p:cNvSpPr txBox="1"/>
+          <p:nvPr/>
+        </p:nvSpPr>
+        <p:spPr>
+          <a:xfrm>
+            <a:off x="3572196" y="6481775"/>
+            <a:ext cx="731047" cy="369332"/>
+          </a:xfrm>
+          <a:prstGeom prst="rect">
+            <a:avLst/>
+          </a:prstGeom>
+          <a:noFill/>
+        </p:spPr>
+        <p:txBody>
+          <a:bodyPr wrap="square" rtlCol="0">
+            <a:spAutoFit/>
+          </a:bodyPr>
+          <a:lstStyle/>
+          <a:p>
+            <a:r>
+              <a:rPr lang="en-US" dirty="0"/>
+              <a:t>CDN</a:t>
+            </a:r>
+          </a:p>
+        </p:txBody>
+      </p:sp>
+      <p:sp>
+        <p:nvSpPr>
+          <p:cNvPr id="82" name="Arrow: Right 81">
+            <a:extLst>
+              <a:ext uri="{FF2B5EF4-FFF2-40B4-BE49-F238E27FC236}">
+                <a16:creationId xmlns:a16="http://schemas.microsoft.com/office/drawing/2014/main" id="{36F0F078-67BA-1930-1A1E-AE7F83107083}"/>
+              </a:ext>
+            </a:extLst>
+          </p:cNvPr>
+          <p:cNvSpPr/>
+          <p:nvPr/>
+        </p:nvSpPr>
+        <p:spPr>
+          <a:xfrm>
+            <a:off x="2229650" y="5473002"/>
+            <a:ext cx="555017" cy="500975"/>
+          </a:xfrm>
+          <a:prstGeom prst="rightArrow">
+            <a:avLst/>
+          </a:prstGeom>
+        </p:spPr>
+        <p:style>
+          <a:lnRef idx="2">
+            <a:schemeClr val="accent1">
+              <a:shade val="50000"/>
+            </a:schemeClr>
+          </a:lnRef>
+          <a:fillRef idx="1">
+            <a:schemeClr val="accent1"/>
+          </a:fillRef>
+          <a:effectRef idx="0">
+            <a:schemeClr val="accent1"/>
+          </a:effectRef>
+          <a:fontRef idx="minor">
+            <a:schemeClr val="lt1"/>
+          </a:fontRef>
+        </p:style>
+        <p:txBody>
+          <a:bodyPr rtlCol="0" anchor="ctr"/>
+          <a:lstStyle/>
+          <a:p>
+            <a:pPr algn="ctr"/>
+            <a:endParaRPr lang="en-US"/>
+          </a:p>
+        </p:txBody>
+      </p:sp>
+      <p:sp>
+        <p:nvSpPr>
+          <p:cNvPr id="83" name="Rectangle: Rounded Corners 82">
+            <a:extLst>
+              <a:ext uri="{FF2B5EF4-FFF2-40B4-BE49-F238E27FC236}">
+                <a16:creationId xmlns:a16="http://schemas.microsoft.com/office/drawing/2014/main" id="{16D92555-D71B-3A8A-CC95-7FB358BFA827}"/>
+              </a:ext>
+            </a:extLst>
+          </p:cNvPr>
+          <p:cNvSpPr/>
+          <p:nvPr/>
+        </p:nvSpPr>
+        <p:spPr>
+          <a:xfrm>
+            <a:off x="2945251" y="5483321"/>
+            <a:ext cx="1826798" cy="982781"/>
+          </a:xfrm>
+          <a:prstGeom prst="roundRect">
+            <a:avLst/>
+          </a:prstGeom>
+          <a:solidFill>
+            <a:schemeClr val="accent2">
+              <a:lumMod val="75000"/>
+            </a:schemeClr>
+          </a:solidFill>
+        </p:spPr>
+        <p:style>
+          <a:lnRef idx="2">
+            <a:schemeClr val="accent1">
+              <a:shade val="50000"/>
+            </a:schemeClr>
+          </a:lnRef>
+          <a:fillRef idx="1">
+            <a:schemeClr val="accent1"/>
+          </a:fillRef>
+          <a:effectRef idx="0">
+            <a:schemeClr val="accent1"/>
+          </a:effectRef>
+          <a:fontRef idx="minor">
+            <a:schemeClr val="lt1"/>
+          </a:fontRef>
+        </p:style>
+        <p:txBody>
+          <a:bodyPr rtlCol="0" anchor="ctr"/>
+          <a:lstStyle/>
+          <a:p>
+            <a:pPr algn="ctr"/>
+            <a:endParaRPr lang="en-US"/>
+          </a:p>
+        </p:txBody>
+      </p:sp>
+      <p:sp>
+        <p:nvSpPr>
+          <p:cNvPr id="84" name="TextBox 83">
+            <a:extLst>
+              <a:ext uri="{FF2B5EF4-FFF2-40B4-BE49-F238E27FC236}">
+                <a16:creationId xmlns:a16="http://schemas.microsoft.com/office/drawing/2014/main" id="{688C8333-57D5-5BA3-CEC1-CC13A8FF189F}"/>
+              </a:ext>
+            </a:extLst>
+          </p:cNvPr>
+          <p:cNvSpPr txBox="1"/>
+          <p:nvPr/>
+        </p:nvSpPr>
+        <p:spPr>
+          <a:xfrm>
+            <a:off x="399412" y="6481775"/>
+            <a:ext cx="1456522" cy="369332"/>
+          </a:xfrm>
+          <a:prstGeom prst="rect">
+            <a:avLst/>
+          </a:prstGeom>
+          <a:noFill/>
+        </p:spPr>
+        <p:txBody>
+          <a:bodyPr wrap="square" rtlCol="0">
+            <a:spAutoFit/>
+          </a:bodyPr>
+          <a:lstStyle/>
+          <a:p>
+            <a:r>
+              <a:rPr lang="en-US" dirty="0"/>
+              <a:t>Build Server</a:t>
+            </a:r>
+          </a:p>
+        </p:txBody>
+      </p:sp>
+      <p:pic>
+        <p:nvPicPr>
+          <p:cNvPr id="85" name="Graphic 84" descr="Saw blade">
+            <a:extLst>
+              <a:ext uri="{FF2B5EF4-FFF2-40B4-BE49-F238E27FC236}">
+                <a16:creationId xmlns:a16="http://schemas.microsoft.com/office/drawing/2014/main" id="{CAE05674-0454-55C3-2C7C-1E88A89FF70E}"/>
+              </a:ext>
+            </a:extLst>
+          </p:cNvPr>
+          <p:cNvPicPr>
+            <a:picLocks noChangeAspect="1"/>
+          </p:cNvPicPr>
+          <p:nvPr/>
+        </p:nvPicPr>
+        <p:blipFill>
+          <a:blip r:embed="rId2">
+            <a:extLst>
+              <a:ext uri="{28A0092B-C50C-407E-A947-70E740481C1C}">
+                <a14:useLocalDpi xmlns:a14="http://schemas.microsoft.com/office/drawing/2010/main" val="0"/>
+              </a:ext>
+              <a:ext uri="{96DAC541-7B7A-43D3-8B79-37D633B846F1}">
+                <asvg:svgBlip xmlns:asvg="http://schemas.microsoft.com/office/drawing/2016/SVG/main" r:embed="rId3"/>
+              </a:ext>
+            </a:extLst>
+          </a:blip>
+          <a:stretch>
+            <a:fillRect/>
+          </a:stretch>
+        </p:blipFill>
+        <p:spPr>
+          <a:xfrm>
+            <a:off x="95360" y="5472897"/>
+            <a:ext cx="1008878" cy="1008878"/>
+          </a:xfrm>
+          <a:prstGeom prst="rect">
+            <a:avLst/>
+          </a:prstGeom>
+        </p:spPr>
+      </p:pic>
+      <p:sp>
+        <p:nvSpPr>
+          <p:cNvPr id="86" name="Rectangle 85">
+            <a:extLst>
+              <a:ext uri="{FF2B5EF4-FFF2-40B4-BE49-F238E27FC236}">
+                <a16:creationId xmlns:a16="http://schemas.microsoft.com/office/drawing/2014/main" id="{6627391D-88A8-C54B-7662-48DF1EE836D3}"/>
+              </a:ext>
+            </a:extLst>
+          </p:cNvPr>
+          <p:cNvSpPr/>
+          <p:nvPr/>
+        </p:nvSpPr>
+        <p:spPr>
+          <a:xfrm>
+            <a:off x="1017196" y="5661451"/>
+            <a:ext cx="776390" cy="651820"/>
+          </a:xfrm>
+          <a:prstGeom prst="rect">
+            <a:avLst/>
+          </a:prstGeom>
+          <a:solidFill>
+            <a:srgbClr val="00B0F0"/>
+          </a:solidFill>
+        </p:spPr>
+        <p:style>
+          <a:lnRef idx="2">
+            <a:schemeClr val="accent1">
+              <a:shade val="50000"/>
+            </a:schemeClr>
+          </a:lnRef>
+          <a:fillRef idx="1">
+            <a:schemeClr val="accent1"/>
+          </a:fillRef>
+          <a:effectRef idx="0">
+            <a:schemeClr val="accent1"/>
+          </a:effectRef>
+          <a:fontRef idx="minor">
+            <a:schemeClr val="lt1"/>
+          </a:fontRef>
+        </p:style>
+        <p:txBody>
+          <a:bodyPr rtlCol="0" anchor="ctr"/>
+          <a:lstStyle/>
+          <a:p>
+            <a:pPr algn="ctr"/>
+            <a:endParaRPr lang="en-US"/>
+          </a:p>
+        </p:txBody>
+      </p:sp>
+      <p:sp>
+        <p:nvSpPr>
+          <p:cNvPr id="87" name="Rectangle 86">
+            <a:extLst>
+              <a:ext uri="{FF2B5EF4-FFF2-40B4-BE49-F238E27FC236}">
+                <a16:creationId xmlns:a16="http://schemas.microsoft.com/office/drawing/2014/main" id="{609DC053-20BC-8424-A381-5A9A3181312C}"/>
+              </a:ext>
+            </a:extLst>
+          </p:cNvPr>
+          <p:cNvSpPr/>
+          <p:nvPr/>
+        </p:nvSpPr>
+        <p:spPr>
+          <a:xfrm>
+            <a:off x="1017196" y="5716262"/>
+            <a:ext cx="776390" cy="129202"/>
+          </a:xfrm>
+          <a:prstGeom prst="rect">
+            <a:avLst/>
+          </a:prstGeom>
+          <a:solidFill>
+            <a:schemeClr val="accent1">
+              <a:lumMod val="50000"/>
+            </a:schemeClr>
+          </a:solidFill>
+        </p:spPr>
+        <p:style>
+          <a:lnRef idx="2">
+            <a:schemeClr val="accent1">
+              <a:shade val="50000"/>
+            </a:schemeClr>
+          </a:lnRef>
+          <a:fillRef idx="1">
+            <a:schemeClr val="accent1"/>
+          </a:fillRef>
+          <a:effectRef idx="0">
+            <a:schemeClr val="accent1"/>
+          </a:effectRef>
+          <a:fontRef idx="minor">
+            <a:schemeClr val="lt1"/>
+          </a:fontRef>
+        </p:style>
+        <p:txBody>
+          <a:bodyPr rtlCol="0" anchor="ctr"/>
+          <a:lstStyle/>
+          <a:p>
+            <a:pPr algn="ctr"/>
+            <a:endParaRPr lang="en-US"/>
+          </a:p>
+        </p:txBody>
+      </p:sp>
+      <p:sp>
+        <p:nvSpPr>
+          <p:cNvPr id="88" name="Rectangle 87">
+            <a:extLst>
+              <a:ext uri="{FF2B5EF4-FFF2-40B4-BE49-F238E27FC236}">
+                <a16:creationId xmlns:a16="http://schemas.microsoft.com/office/drawing/2014/main" id="{2D6D4B7B-629D-7F26-4DDC-494AE8F2A73C}"/>
+              </a:ext>
+            </a:extLst>
+          </p:cNvPr>
+          <p:cNvSpPr/>
+          <p:nvPr/>
+        </p:nvSpPr>
+        <p:spPr>
+          <a:xfrm>
+            <a:off x="1017195" y="6168707"/>
+            <a:ext cx="776390" cy="129202"/>
+          </a:xfrm>
+          <a:prstGeom prst="rect">
+            <a:avLst/>
+          </a:prstGeom>
+          <a:solidFill>
+            <a:schemeClr val="accent1">
+              <a:lumMod val="50000"/>
+            </a:schemeClr>
+          </a:solidFill>
+        </p:spPr>
+        <p:style>
+          <a:lnRef idx="2">
+            <a:schemeClr val="accent1">
+              <a:shade val="50000"/>
+            </a:schemeClr>
+          </a:lnRef>
+          <a:fillRef idx="1">
+            <a:schemeClr val="accent1"/>
+          </a:fillRef>
+          <a:effectRef idx="0">
+            <a:schemeClr val="accent1"/>
+          </a:effectRef>
+          <a:fontRef idx="minor">
+            <a:schemeClr val="lt1"/>
+          </a:fontRef>
+        </p:style>
+        <p:txBody>
+          <a:bodyPr rtlCol="0" anchor="ctr"/>
+          <a:lstStyle/>
+          <a:p>
+            <a:pPr algn="ctr"/>
+            <a:endParaRPr lang="en-US"/>
+          </a:p>
+        </p:txBody>
+      </p:sp>
+      <p:sp>
+        <p:nvSpPr>
+          <p:cNvPr id="89" name="Rectangle 88">
+            <a:extLst>
+              <a:ext uri="{FF2B5EF4-FFF2-40B4-BE49-F238E27FC236}">
+                <a16:creationId xmlns:a16="http://schemas.microsoft.com/office/drawing/2014/main" id="{07242167-A547-7A21-9AF5-08886C79D085}"/>
+              </a:ext>
+            </a:extLst>
+          </p:cNvPr>
+          <p:cNvSpPr/>
+          <p:nvPr/>
+        </p:nvSpPr>
+        <p:spPr>
+          <a:xfrm>
+            <a:off x="1008079" y="5887614"/>
+            <a:ext cx="776390" cy="129202"/>
+          </a:xfrm>
+          <a:prstGeom prst="rect">
+            <a:avLst/>
+          </a:prstGeom>
+          <a:solidFill>
+            <a:schemeClr val="accent6">
+              <a:lumMod val="75000"/>
+            </a:schemeClr>
+          </a:solidFill>
+        </p:spPr>
+        <p:style>
+          <a:lnRef idx="2">
+            <a:schemeClr val="accent1">
+              <a:shade val="50000"/>
+            </a:schemeClr>
+          </a:lnRef>
+          <a:fillRef idx="1">
+            <a:schemeClr val="accent1"/>
+          </a:fillRef>
+          <a:effectRef idx="0">
+            <a:schemeClr val="accent1"/>
+          </a:effectRef>
+          <a:fontRef idx="minor">
+            <a:schemeClr val="lt1"/>
+          </a:fontRef>
+        </p:style>
+        <p:txBody>
+          <a:bodyPr rtlCol="0" anchor="ctr"/>
+          <a:lstStyle/>
+          <a:p>
+            <a:pPr algn="ctr"/>
+            <a:endParaRPr lang="en-US"/>
+          </a:p>
+        </p:txBody>
+      </p:sp>
+      <p:sp>
+        <p:nvSpPr>
+          <p:cNvPr id="90" name="Rectangle 89">
+            <a:extLst>
+              <a:ext uri="{FF2B5EF4-FFF2-40B4-BE49-F238E27FC236}">
+                <a16:creationId xmlns:a16="http://schemas.microsoft.com/office/drawing/2014/main" id="{618FF60A-3A46-BE59-3019-04A98A2B7E5C}"/>
+              </a:ext>
+            </a:extLst>
+          </p:cNvPr>
+          <p:cNvSpPr/>
+          <p:nvPr/>
+        </p:nvSpPr>
+        <p:spPr>
+          <a:xfrm>
+            <a:off x="1017195" y="5990547"/>
+            <a:ext cx="776390" cy="129202"/>
+          </a:xfrm>
+          <a:prstGeom prst="rect">
+            <a:avLst/>
+          </a:prstGeom>
+          <a:solidFill>
+            <a:schemeClr val="accent4">
+              <a:lumMod val="75000"/>
+            </a:schemeClr>
+          </a:solidFill>
+        </p:spPr>
+        <p:style>
+          <a:lnRef idx="2">
+            <a:schemeClr val="accent1">
+              <a:shade val="50000"/>
+            </a:schemeClr>
+          </a:lnRef>
+          <a:fillRef idx="1">
+            <a:schemeClr val="accent1"/>
+          </a:fillRef>
+          <a:effectRef idx="0">
+            <a:schemeClr val="accent1"/>
+          </a:effectRef>
+          <a:fontRef idx="minor">
+            <a:schemeClr val="lt1"/>
+          </a:fontRef>
+        </p:style>
+        <p:txBody>
+          <a:bodyPr rtlCol="0" anchor="ctr"/>
+          <a:lstStyle/>
+          <a:p>
+            <a:pPr algn="ctr"/>
+            <a:endParaRPr lang="en-US"/>
+          </a:p>
+        </p:txBody>
+      </p:sp>
+      <p:sp>
+        <p:nvSpPr>
+          <p:cNvPr id="91" name="Rectangle 90">
+            <a:extLst>
+              <a:ext uri="{FF2B5EF4-FFF2-40B4-BE49-F238E27FC236}">
+                <a16:creationId xmlns:a16="http://schemas.microsoft.com/office/drawing/2014/main" id="{26C2861D-5CD9-2BFF-3D2D-4AB016D8E6C9}"/>
+              </a:ext>
+            </a:extLst>
+          </p:cNvPr>
+          <p:cNvSpPr/>
+          <p:nvPr/>
+        </p:nvSpPr>
+        <p:spPr>
+          <a:xfrm>
+            <a:off x="1163009" y="5720002"/>
+            <a:ext cx="776390" cy="651820"/>
+          </a:xfrm>
+          <a:prstGeom prst="rect">
+            <a:avLst/>
+          </a:prstGeom>
+          <a:solidFill>
+            <a:srgbClr val="00B0F0"/>
+          </a:solidFill>
+        </p:spPr>
+        <p:style>
+          <a:lnRef idx="2">
+            <a:schemeClr val="accent1">
+              <a:shade val="50000"/>
+            </a:schemeClr>
+          </a:lnRef>
+          <a:fillRef idx="1">
+            <a:schemeClr val="accent1"/>
+          </a:fillRef>
+          <a:effectRef idx="0">
+            <a:schemeClr val="accent1"/>
+          </a:effectRef>
+          <a:fontRef idx="minor">
+            <a:schemeClr val="lt1"/>
+          </a:fontRef>
+        </p:style>
+        <p:txBody>
+          <a:bodyPr rtlCol="0" anchor="ctr"/>
+          <a:lstStyle/>
+          <a:p>
+            <a:pPr algn="ctr"/>
+            <a:endParaRPr lang="en-US"/>
+          </a:p>
+        </p:txBody>
+      </p:sp>
+      <p:sp>
+        <p:nvSpPr>
+          <p:cNvPr id="92" name="Rectangle 91">
+            <a:extLst>
+              <a:ext uri="{FF2B5EF4-FFF2-40B4-BE49-F238E27FC236}">
+                <a16:creationId xmlns:a16="http://schemas.microsoft.com/office/drawing/2014/main" id="{1D8C7D97-F10C-03CE-2050-1DC03415170F}"/>
+              </a:ext>
+            </a:extLst>
+          </p:cNvPr>
+          <p:cNvSpPr/>
+          <p:nvPr/>
+        </p:nvSpPr>
+        <p:spPr>
+          <a:xfrm>
+            <a:off x="1163009" y="5774813"/>
+            <a:ext cx="776390" cy="129202"/>
+          </a:xfrm>
+          <a:prstGeom prst="rect">
+            <a:avLst/>
+          </a:prstGeom>
+          <a:solidFill>
+            <a:schemeClr val="accent1">
+              <a:lumMod val="50000"/>
+            </a:schemeClr>
+          </a:solidFill>
+        </p:spPr>
+        <p:style>
+          <a:lnRef idx="2">
+            <a:schemeClr val="accent1">
+              <a:shade val="50000"/>
+            </a:schemeClr>
+          </a:lnRef>
+          <a:fillRef idx="1">
+            <a:schemeClr val="accent1"/>
+          </a:fillRef>
+          <a:effectRef idx="0">
+            <a:schemeClr val="accent1"/>
+          </a:effectRef>
+          <a:fontRef idx="minor">
+            <a:schemeClr val="lt1"/>
+          </a:fontRef>
+        </p:style>
+        <p:txBody>
+          <a:bodyPr rtlCol="0" anchor="ctr"/>
+          <a:lstStyle/>
+          <a:p>
+            <a:pPr algn="ctr"/>
+            <a:endParaRPr lang="en-US"/>
+          </a:p>
+        </p:txBody>
+      </p:sp>
+      <p:sp>
+        <p:nvSpPr>
+          <p:cNvPr id="93" name="Rectangle 92">
+            <a:extLst>
+              <a:ext uri="{FF2B5EF4-FFF2-40B4-BE49-F238E27FC236}">
+                <a16:creationId xmlns:a16="http://schemas.microsoft.com/office/drawing/2014/main" id="{13619286-2A4A-2D39-6969-19F228C5CDD5}"/>
+              </a:ext>
+            </a:extLst>
+          </p:cNvPr>
+          <p:cNvSpPr/>
+          <p:nvPr/>
+        </p:nvSpPr>
+        <p:spPr>
+          <a:xfrm>
+            <a:off x="1163008" y="6227258"/>
+            <a:ext cx="776390" cy="129202"/>
+          </a:xfrm>
+          <a:prstGeom prst="rect">
+            <a:avLst/>
+          </a:prstGeom>
+          <a:solidFill>
+            <a:schemeClr val="accent1">
+              <a:lumMod val="50000"/>
+            </a:schemeClr>
+          </a:solidFill>
+        </p:spPr>
+        <p:style>
+          <a:lnRef idx="2">
+            <a:schemeClr val="accent1">
+              <a:shade val="50000"/>
+            </a:schemeClr>
+          </a:lnRef>
+          <a:fillRef idx="1">
+            <a:schemeClr val="accent1"/>
+          </a:fillRef>
+          <a:effectRef idx="0">
+            <a:schemeClr val="accent1"/>
+          </a:effectRef>
+          <a:fontRef idx="minor">
+            <a:schemeClr val="lt1"/>
+          </a:fontRef>
+        </p:style>
+        <p:txBody>
+          <a:bodyPr rtlCol="0" anchor="ctr"/>
+          <a:lstStyle/>
+          <a:p>
+            <a:pPr algn="ctr"/>
+            <a:endParaRPr lang="en-US"/>
+          </a:p>
+        </p:txBody>
+      </p:sp>
+      <p:sp>
+        <p:nvSpPr>
+          <p:cNvPr id="94" name="Rectangle 93">
+            <a:extLst>
+              <a:ext uri="{FF2B5EF4-FFF2-40B4-BE49-F238E27FC236}">
+                <a16:creationId xmlns:a16="http://schemas.microsoft.com/office/drawing/2014/main" id="{FBADF188-D885-AB08-AC66-53E7F995817C}"/>
+              </a:ext>
+            </a:extLst>
+          </p:cNvPr>
+          <p:cNvSpPr/>
+          <p:nvPr/>
+        </p:nvSpPr>
+        <p:spPr>
+          <a:xfrm>
+            <a:off x="1153892" y="5946165"/>
+            <a:ext cx="776390" cy="129202"/>
+          </a:xfrm>
+          <a:prstGeom prst="rect">
+            <a:avLst/>
+          </a:prstGeom>
+          <a:solidFill>
+            <a:schemeClr val="accent6">
+              <a:lumMod val="75000"/>
+            </a:schemeClr>
+          </a:solidFill>
+        </p:spPr>
+        <p:style>
+          <a:lnRef idx="2">
+            <a:schemeClr val="accent1">
+              <a:shade val="50000"/>
+            </a:schemeClr>
+          </a:lnRef>
+          <a:fillRef idx="1">
+            <a:schemeClr val="accent1"/>
+          </a:fillRef>
+          <a:effectRef idx="0">
+            <a:schemeClr val="accent1"/>
+          </a:effectRef>
+          <a:fontRef idx="minor">
+            <a:schemeClr val="lt1"/>
+          </a:fontRef>
+        </p:style>
+        <p:txBody>
+          <a:bodyPr rtlCol="0" anchor="ctr"/>
+          <a:lstStyle/>
+          <a:p>
+            <a:pPr algn="ctr"/>
+            <a:endParaRPr lang="en-US"/>
+          </a:p>
+        </p:txBody>
+      </p:sp>
+      <p:sp>
+        <p:nvSpPr>
+          <p:cNvPr id="95" name="Rectangle 94">
+            <a:extLst>
+              <a:ext uri="{FF2B5EF4-FFF2-40B4-BE49-F238E27FC236}">
+                <a16:creationId xmlns:a16="http://schemas.microsoft.com/office/drawing/2014/main" id="{FA2AE898-541E-D6BD-83EB-70FD9C1E5A71}"/>
+              </a:ext>
+            </a:extLst>
+          </p:cNvPr>
+          <p:cNvSpPr/>
+          <p:nvPr/>
+        </p:nvSpPr>
+        <p:spPr>
+          <a:xfrm>
+            <a:off x="1163008" y="6049098"/>
+            <a:ext cx="776390" cy="129202"/>
+          </a:xfrm>
+          <a:prstGeom prst="rect">
+            <a:avLst/>
+          </a:prstGeom>
+          <a:solidFill>
+            <a:schemeClr val="accent4">
+              <a:lumMod val="75000"/>
+            </a:schemeClr>
+          </a:solidFill>
+        </p:spPr>
+        <p:style>
+          <a:lnRef idx="2">
+            <a:schemeClr val="accent1">
+              <a:shade val="50000"/>
+            </a:schemeClr>
+          </a:lnRef>
+          <a:fillRef idx="1">
+            <a:schemeClr val="accent1"/>
+          </a:fillRef>
+          <a:effectRef idx="0">
+            <a:schemeClr val="accent1"/>
+          </a:effectRef>
+          <a:fontRef idx="minor">
+            <a:schemeClr val="lt1"/>
+          </a:fontRef>
+        </p:style>
+        <p:txBody>
+          <a:bodyPr rtlCol="0" anchor="ctr"/>
+          <a:lstStyle/>
+          <a:p>
+            <a:pPr algn="ctr"/>
+            <a:endParaRPr lang="en-US"/>
+          </a:p>
+        </p:txBody>
+      </p:sp>
+      <p:sp>
+        <p:nvSpPr>
+          <p:cNvPr id="96" name="Rectangle 95">
+            <a:extLst>
+              <a:ext uri="{FF2B5EF4-FFF2-40B4-BE49-F238E27FC236}">
+                <a16:creationId xmlns:a16="http://schemas.microsoft.com/office/drawing/2014/main" id="{300D58ED-B155-5291-EBD9-25F4183A214F}"/>
+              </a:ext>
+            </a:extLst>
+          </p:cNvPr>
+          <p:cNvSpPr/>
+          <p:nvPr/>
+        </p:nvSpPr>
+        <p:spPr>
+          <a:xfrm>
+            <a:off x="3449110" y="5596294"/>
+            <a:ext cx="776390" cy="651820"/>
+          </a:xfrm>
+          <a:prstGeom prst="rect">
+            <a:avLst/>
+          </a:prstGeom>
+          <a:solidFill>
+            <a:srgbClr val="00B0F0"/>
+          </a:solidFill>
+        </p:spPr>
+        <p:style>
+          <a:lnRef idx="2">
+            <a:schemeClr val="accent1">
+              <a:shade val="50000"/>
+            </a:schemeClr>
+          </a:lnRef>
+          <a:fillRef idx="1">
+            <a:schemeClr val="accent1"/>
+          </a:fillRef>
+          <a:effectRef idx="0">
+            <a:schemeClr val="accent1"/>
+          </a:effectRef>
+          <a:fontRef idx="minor">
+            <a:schemeClr val="lt1"/>
+          </a:fontRef>
+        </p:style>
+        <p:txBody>
+          <a:bodyPr rtlCol="0" anchor="ctr"/>
+          <a:lstStyle/>
+          <a:p>
+            <a:pPr algn="ctr"/>
+            <a:endParaRPr lang="en-US"/>
+          </a:p>
+        </p:txBody>
+      </p:sp>
+      <p:sp>
+        <p:nvSpPr>
+          <p:cNvPr id="97" name="Rectangle 96">
+            <a:extLst>
+              <a:ext uri="{FF2B5EF4-FFF2-40B4-BE49-F238E27FC236}">
+                <a16:creationId xmlns:a16="http://schemas.microsoft.com/office/drawing/2014/main" id="{FAAEA628-1139-B197-6385-657D334E693D}"/>
+              </a:ext>
+            </a:extLst>
+          </p:cNvPr>
+          <p:cNvSpPr/>
+          <p:nvPr/>
+        </p:nvSpPr>
+        <p:spPr>
+          <a:xfrm>
+            <a:off x="3449110" y="5651105"/>
+            <a:ext cx="776390" cy="129202"/>
+          </a:xfrm>
+          <a:prstGeom prst="rect">
+            <a:avLst/>
+          </a:prstGeom>
+          <a:solidFill>
+            <a:schemeClr val="accent1">
+              <a:lumMod val="50000"/>
+            </a:schemeClr>
+          </a:solidFill>
+        </p:spPr>
+        <p:style>
+          <a:lnRef idx="2">
+            <a:schemeClr val="accent1">
+              <a:shade val="50000"/>
+            </a:schemeClr>
+          </a:lnRef>
+          <a:fillRef idx="1">
+            <a:schemeClr val="accent1"/>
+          </a:fillRef>
+          <a:effectRef idx="0">
+            <a:schemeClr val="accent1"/>
+          </a:effectRef>
+          <a:fontRef idx="minor">
+            <a:schemeClr val="lt1"/>
+          </a:fontRef>
+        </p:style>
+        <p:txBody>
+          <a:bodyPr rtlCol="0" anchor="ctr"/>
+          <a:lstStyle/>
+          <a:p>
+            <a:pPr algn="ctr"/>
+            <a:endParaRPr lang="en-US"/>
+          </a:p>
+        </p:txBody>
+      </p:sp>
+      <p:sp>
+        <p:nvSpPr>
+          <p:cNvPr id="98" name="Rectangle 97">
+            <a:extLst>
+              <a:ext uri="{FF2B5EF4-FFF2-40B4-BE49-F238E27FC236}">
+                <a16:creationId xmlns:a16="http://schemas.microsoft.com/office/drawing/2014/main" id="{081952FD-35E1-8918-0CB2-63A6088A4570}"/>
+              </a:ext>
+            </a:extLst>
+          </p:cNvPr>
+          <p:cNvSpPr/>
+          <p:nvPr/>
+        </p:nvSpPr>
+        <p:spPr>
+          <a:xfrm>
+            <a:off x="3449109" y="6103550"/>
+            <a:ext cx="776390" cy="129202"/>
+          </a:xfrm>
+          <a:prstGeom prst="rect">
+            <a:avLst/>
+          </a:prstGeom>
+          <a:solidFill>
+            <a:schemeClr val="accent1">
+              <a:lumMod val="50000"/>
+            </a:schemeClr>
+          </a:solidFill>
+        </p:spPr>
+        <p:style>
+          <a:lnRef idx="2">
+            <a:schemeClr val="accent1">
+              <a:shade val="50000"/>
+            </a:schemeClr>
+          </a:lnRef>
+          <a:fillRef idx="1">
+            <a:schemeClr val="accent1"/>
+          </a:fillRef>
+          <a:effectRef idx="0">
+            <a:schemeClr val="accent1"/>
+          </a:effectRef>
+          <a:fontRef idx="minor">
+            <a:schemeClr val="lt1"/>
+          </a:fontRef>
+        </p:style>
+        <p:txBody>
+          <a:bodyPr rtlCol="0" anchor="ctr"/>
+          <a:lstStyle/>
+          <a:p>
+            <a:pPr algn="ctr"/>
+            <a:endParaRPr lang="en-US"/>
+          </a:p>
+        </p:txBody>
+      </p:sp>
+      <p:sp>
+        <p:nvSpPr>
+          <p:cNvPr id="99" name="Rectangle 98">
+            <a:extLst>
+              <a:ext uri="{FF2B5EF4-FFF2-40B4-BE49-F238E27FC236}">
+                <a16:creationId xmlns:a16="http://schemas.microsoft.com/office/drawing/2014/main" id="{A6C48EE6-E184-4E38-6CE7-87756DBAE62B}"/>
+              </a:ext>
+            </a:extLst>
+          </p:cNvPr>
+          <p:cNvSpPr/>
+          <p:nvPr/>
+        </p:nvSpPr>
+        <p:spPr>
+          <a:xfrm>
+            <a:off x="3439993" y="5822457"/>
+            <a:ext cx="776390" cy="129202"/>
+          </a:xfrm>
+          <a:prstGeom prst="rect">
+            <a:avLst/>
+          </a:prstGeom>
+          <a:solidFill>
+            <a:schemeClr val="accent6">
+              <a:lumMod val="75000"/>
+            </a:schemeClr>
+          </a:solidFill>
+        </p:spPr>
+        <p:style>
+          <a:lnRef idx="2">
+            <a:schemeClr val="accent1">
+              <a:shade val="50000"/>
+            </a:schemeClr>
+          </a:lnRef>
+          <a:fillRef idx="1">
+            <a:schemeClr val="accent1"/>
+          </a:fillRef>
+          <a:effectRef idx="0">
+            <a:schemeClr val="accent1"/>
+          </a:effectRef>
+          <a:fontRef idx="minor">
+            <a:schemeClr val="lt1"/>
+          </a:fontRef>
+        </p:style>
+        <p:txBody>
+          <a:bodyPr rtlCol="0" anchor="ctr"/>
+          <a:lstStyle/>
+          <a:p>
+            <a:pPr algn="ctr"/>
+            <a:endParaRPr lang="en-US"/>
+          </a:p>
+        </p:txBody>
+      </p:sp>
+      <p:sp>
+        <p:nvSpPr>
+          <p:cNvPr id="100" name="Rectangle 99">
+            <a:extLst>
+              <a:ext uri="{FF2B5EF4-FFF2-40B4-BE49-F238E27FC236}">
+                <a16:creationId xmlns:a16="http://schemas.microsoft.com/office/drawing/2014/main" id="{DA492945-B7A3-DFB5-51E6-F56BEE7EC9E6}"/>
+              </a:ext>
+            </a:extLst>
+          </p:cNvPr>
+          <p:cNvSpPr/>
+          <p:nvPr/>
+        </p:nvSpPr>
+        <p:spPr>
+          <a:xfrm>
+            <a:off x="3449109" y="5925390"/>
+            <a:ext cx="776390" cy="129202"/>
+          </a:xfrm>
+          <a:prstGeom prst="rect">
+            <a:avLst/>
+          </a:prstGeom>
+          <a:solidFill>
+            <a:schemeClr val="accent4">
+              <a:lumMod val="75000"/>
+            </a:schemeClr>
+          </a:solidFill>
+        </p:spPr>
+        <p:style>
+          <a:lnRef idx="2">
+            <a:schemeClr val="accent1">
+              <a:shade val="50000"/>
+            </a:schemeClr>
+          </a:lnRef>
+          <a:fillRef idx="1">
+            <a:schemeClr val="accent1"/>
+          </a:fillRef>
+          <a:effectRef idx="0">
+            <a:schemeClr val="accent1"/>
+          </a:effectRef>
+          <a:fontRef idx="minor">
+            <a:schemeClr val="lt1"/>
+          </a:fontRef>
+        </p:style>
+        <p:txBody>
+          <a:bodyPr rtlCol="0" anchor="ctr"/>
+          <a:lstStyle/>
+          <a:p>
+            <a:pPr algn="ctr"/>
+            <a:endParaRPr lang="en-US"/>
+          </a:p>
+        </p:txBody>
+      </p:sp>
+      <p:sp>
+        <p:nvSpPr>
+          <p:cNvPr id="101" name="Rectangle 100">
+            <a:extLst>
+              <a:ext uri="{FF2B5EF4-FFF2-40B4-BE49-F238E27FC236}">
+                <a16:creationId xmlns:a16="http://schemas.microsoft.com/office/drawing/2014/main" id="{DC60AB87-EEEF-874B-A5EB-FD787A998A32}"/>
+              </a:ext>
+            </a:extLst>
+          </p:cNvPr>
+          <p:cNvSpPr/>
+          <p:nvPr/>
+        </p:nvSpPr>
+        <p:spPr>
+          <a:xfrm>
+            <a:off x="3641534" y="5662180"/>
+            <a:ext cx="776390" cy="651820"/>
+          </a:xfrm>
+          <a:prstGeom prst="rect">
+            <a:avLst/>
+          </a:prstGeom>
+          <a:solidFill>
+            <a:srgbClr val="00B0F0"/>
+          </a:solidFill>
+        </p:spPr>
+        <p:style>
+          <a:lnRef idx="2">
+            <a:schemeClr val="accent1">
+              <a:shade val="50000"/>
+            </a:schemeClr>
+          </a:lnRef>
+          <a:fillRef idx="1">
+            <a:schemeClr val="accent1"/>
+          </a:fillRef>
+          <a:effectRef idx="0">
+            <a:schemeClr val="accent1"/>
+          </a:effectRef>
+          <a:fontRef idx="minor">
+            <a:schemeClr val="lt1"/>
+          </a:fontRef>
+        </p:style>
+        <p:txBody>
+          <a:bodyPr rtlCol="0" anchor="ctr"/>
+          <a:lstStyle/>
+          <a:p>
+            <a:pPr algn="ctr"/>
+            <a:endParaRPr lang="en-US"/>
+          </a:p>
+        </p:txBody>
+      </p:sp>
+      <p:sp>
+        <p:nvSpPr>
+          <p:cNvPr id="102" name="Rectangle 101">
+            <a:extLst>
+              <a:ext uri="{FF2B5EF4-FFF2-40B4-BE49-F238E27FC236}">
+                <a16:creationId xmlns:a16="http://schemas.microsoft.com/office/drawing/2014/main" id="{64C4BCA5-1D37-6450-7091-3A7F7CAA5BBC}"/>
+              </a:ext>
+            </a:extLst>
+          </p:cNvPr>
+          <p:cNvSpPr/>
+          <p:nvPr/>
+        </p:nvSpPr>
+        <p:spPr>
+          <a:xfrm>
+            <a:off x="3641534" y="5716991"/>
+            <a:ext cx="776390" cy="129202"/>
+          </a:xfrm>
+          <a:prstGeom prst="rect">
+            <a:avLst/>
+          </a:prstGeom>
+          <a:solidFill>
+            <a:schemeClr val="accent1">
+              <a:lumMod val="50000"/>
+            </a:schemeClr>
+          </a:solidFill>
+        </p:spPr>
+        <p:style>
+          <a:lnRef idx="2">
+            <a:schemeClr val="accent1">
+              <a:shade val="50000"/>
+            </a:schemeClr>
+          </a:lnRef>
+          <a:fillRef idx="1">
+            <a:schemeClr val="accent1"/>
+          </a:fillRef>
+          <a:effectRef idx="0">
+            <a:schemeClr val="accent1"/>
+          </a:effectRef>
+          <a:fontRef idx="minor">
+            <a:schemeClr val="lt1"/>
+          </a:fontRef>
+        </p:style>
+        <p:txBody>
+          <a:bodyPr rtlCol="0" anchor="ctr"/>
+          <a:lstStyle/>
+          <a:p>
+            <a:pPr algn="ctr"/>
+            <a:endParaRPr lang="en-US"/>
+          </a:p>
+        </p:txBody>
+      </p:sp>
+      <p:sp>
+        <p:nvSpPr>
+          <p:cNvPr id="103" name="Rectangle 102">
+            <a:extLst>
+              <a:ext uri="{FF2B5EF4-FFF2-40B4-BE49-F238E27FC236}">
+                <a16:creationId xmlns:a16="http://schemas.microsoft.com/office/drawing/2014/main" id="{5D56D357-F3FD-C5EF-82B8-F991D05FC9D8}"/>
+              </a:ext>
+            </a:extLst>
+          </p:cNvPr>
+          <p:cNvSpPr/>
+          <p:nvPr/>
+        </p:nvSpPr>
+        <p:spPr>
+          <a:xfrm>
+            <a:off x="3641533" y="6169436"/>
+            <a:ext cx="776390" cy="129202"/>
+          </a:xfrm>
+          <a:prstGeom prst="rect">
+            <a:avLst/>
+          </a:prstGeom>
+          <a:solidFill>
+            <a:schemeClr val="accent1">
+              <a:lumMod val="50000"/>
+            </a:schemeClr>
+          </a:solidFill>
+        </p:spPr>
+        <p:style>
+          <a:lnRef idx="2">
+            <a:schemeClr val="accent1">
+              <a:shade val="50000"/>
+            </a:schemeClr>
+          </a:lnRef>
+          <a:fillRef idx="1">
+            <a:schemeClr val="accent1"/>
+          </a:fillRef>
+          <a:effectRef idx="0">
+            <a:schemeClr val="accent1"/>
+          </a:effectRef>
+          <a:fontRef idx="minor">
+            <a:schemeClr val="lt1"/>
+          </a:fontRef>
+        </p:style>
+        <p:txBody>
+          <a:bodyPr rtlCol="0" anchor="ctr"/>
+          <a:lstStyle/>
+          <a:p>
+            <a:pPr algn="ctr"/>
+            <a:endParaRPr lang="en-US"/>
+          </a:p>
+        </p:txBody>
+      </p:sp>
+      <p:sp>
+        <p:nvSpPr>
+          <p:cNvPr id="104" name="Rectangle 103">
+            <a:extLst>
+              <a:ext uri="{FF2B5EF4-FFF2-40B4-BE49-F238E27FC236}">
+                <a16:creationId xmlns:a16="http://schemas.microsoft.com/office/drawing/2014/main" id="{28F49015-9176-0912-1592-954780193297}"/>
+              </a:ext>
+            </a:extLst>
+          </p:cNvPr>
+          <p:cNvSpPr/>
+          <p:nvPr/>
+        </p:nvSpPr>
+        <p:spPr>
+          <a:xfrm>
+            <a:off x="3632417" y="5888343"/>
+            <a:ext cx="776390" cy="129202"/>
+          </a:xfrm>
+          <a:prstGeom prst="rect">
+            <a:avLst/>
+          </a:prstGeom>
+          <a:solidFill>
+            <a:schemeClr val="accent6">
+              <a:lumMod val="75000"/>
+            </a:schemeClr>
+          </a:solidFill>
+        </p:spPr>
+        <p:style>
+          <a:lnRef idx="2">
+            <a:schemeClr val="accent1">
+              <a:shade val="50000"/>
+            </a:schemeClr>
+          </a:lnRef>
+          <a:fillRef idx="1">
+            <a:schemeClr val="accent1"/>
+          </a:fillRef>
+          <a:effectRef idx="0">
+            <a:schemeClr val="accent1"/>
+          </a:effectRef>
+          <a:fontRef idx="minor">
+            <a:schemeClr val="lt1"/>
+          </a:fontRef>
+        </p:style>
+        <p:txBody>
+          <a:bodyPr rtlCol="0" anchor="ctr"/>
+          <a:lstStyle/>
+          <a:p>
+            <a:pPr algn="ctr"/>
+            <a:endParaRPr lang="en-US"/>
+          </a:p>
+        </p:txBody>
+      </p:sp>
+      <p:sp>
+        <p:nvSpPr>
+          <p:cNvPr id="105" name="Rectangle 104">
+            <a:extLst>
+              <a:ext uri="{FF2B5EF4-FFF2-40B4-BE49-F238E27FC236}">
+                <a16:creationId xmlns:a16="http://schemas.microsoft.com/office/drawing/2014/main" id="{B2FCAEE8-81DF-D4EF-D247-45DD03B68DB9}"/>
+              </a:ext>
+            </a:extLst>
+          </p:cNvPr>
+          <p:cNvSpPr/>
+          <p:nvPr/>
+        </p:nvSpPr>
+        <p:spPr>
+          <a:xfrm>
+            <a:off x="3641533" y="5991276"/>
+            <a:ext cx="776390" cy="129202"/>
+          </a:xfrm>
+          <a:prstGeom prst="rect">
+            <a:avLst/>
+          </a:prstGeom>
+          <a:solidFill>
+            <a:schemeClr val="accent4">
+              <a:lumMod val="75000"/>
+            </a:schemeClr>
+          </a:solidFill>
+        </p:spPr>
+        <p:style>
+          <a:lnRef idx="2">
+            <a:schemeClr val="accent1">
+              <a:shade val="50000"/>
+            </a:schemeClr>
+          </a:lnRef>
+          <a:fillRef idx="1">
+            <a:schemeClr val="accent1"/>
+          </a:fillRef>
+          <a:effectRef idx="0">
+            <a:schemeClr val="accent1"/>
+          </a:effectRef>
+          <a:fontRef idx="minor">
+            <a:schemeClr val="lt1"/>
+          </a:fontRef>
+        </p:style>
+        <p:txBody>
+          <a:bodyPr rtlCol="0" anchor="ctr"/>
+          <a:lstStyle/>
+          <a:p>
+            <a:pPr algn="ctr"/>
+            <a:endParaRPr lang="en-US"/>
+          </a:p>
+        </p:txBody>
+      </p:sp>
+      <p:sp>
+        <p:nvSpPr>
+          <p:cNvPr id="106" name="Arrow: Left 105">
+            <a:extLst>
+              <a:ext uri="{FF2B5EF4-FFF2-40B4-BE49-F238E27FC236}">
+                <a16:creationId xmlns:a16="http://schemas.microsoft.com/office/drawing/2014/main" id="{8F17D895-FF1B-9B6C-E991-FD9FC267645D}"/>
+              </a:ext>
+            </a:extLst>
+          </p:cNvPr>
+          <p:cNvSpPr/>
+          <p:nvPr/>
+        </p:nvSpPr>
+        <p:spPr>
+          <a:xfrm flipH="1">
+            <a:off x="2229650" y="5997626"/>
+            <a:ext cx="519063" cy="500975"/>
+          </a:xfrm>
+          <a:prstGeom prst="leftArrow">
+            <a:avLst/>
+          </a:prstGeom>
+          <a:solidFill>
+            <a:schemeClr val="accent3">
+              <a:lumMod val="60000"/>
+              <a:lumOff val="40000"/>
+            </a:schemeClr>
+          </a:solidFill>
+          <a:ln>
+            <a:prstDash val="dash"/>
+          </a:ln>
+        </p:spPr>
+        <p:style>
+          <a:lnRef idx="2">
+            <a:schemeClr val="accent1">
+              <a:shade val="50000"/>
+            </a:schemeClr>
+          </a:lnRef>
+          <a:fillRef idx="1">
+            <a:schemeClr val="accent1"/>
+          </a:fillRef>
+          <a:effectRef idx="0">
+            <a:schemeClr val="accent1"/>
+          </a:effectRef>
+          <a:fontRef idx="minor">
+            <a:schemeClr val="lt1"/>
+          </a:fontRef>
+        </p:style>
+        <p:txBody>
+          <a:bodyPr rtlCol="0" anchor="ctr"/>
+          <a:lstStyle/>
+          <a:p>
+            <a:pPr algn="ctr"/>
+            <a:endParaRPr lang="en-US"/>
+          </a:p>
+        </p:txBody>
+      </p:sp>
+      <p:sp>
+        <p:nvSpPr>
+          <p:cNvPr id="107" name="TextBox 106">
+            <a:extLst>
+              <a:ext uri="{FF2B5EF4-FFF2-40B4-BE49-F238E27FC236}">
+                <a16:creationId xmlns:a16="http://schemas.microsoft.com/office/drawing/2014/main" id="{E04C5573-7131-75C2-E126-6E2778C0925A}"/>
+              </a:ext>
+            </a:extLst>
+          </p:cNvPr>
+          <p:cNvSpPr txBox="1"/>
+          <p:nvPr/>
+        </p:nvSpPr>
+        <p:spPr>
+          <a:xfrm>
+            <a:off x="1222834" y="5094846"/>
+            <a:ext cx="3139754" cy="369332"/>
+          </a:xfrm>
+          <a:prstGeom prst="rect">
+            <a:avLst/>
+          </a:prstGeom>
+          <a:noFill/>
+        </p:spPr>
+        <p:txBody>
+          <a:bodyPr wrap="square" rtlCol="0">
+            <a:spAutoFit/>
+          </a:bodyPr>
+          <a:lstStyle/>
+          <a:p>
+            <a:r>
+              <a:rPr lang="en-US" dirty="0"/>
+              <a:t>Incremental Site Regeneration</a:t>
+            </a:r>
+          </a:p>
+        </p:txBody>
+      </p:sp>
+      <p:sp>
+        <p:nvSpPr>
+          <p:cNvPr id="108" name="TextBox 107">
+            <a:extLst>
+              <a:ext uri="{FF2B5EF4-FFF2-40B4-BE49-F238E27FC236}">
+                <a16:creationId xmlns:a16="http://schemas.microsoft.com/office/drawing/2014/main" id="{127D6D96-B172-EF7F-0CEE-E35CA96A7F8A}"/>
+              </a:ext>
+            </a:extLst>
+          </p:cNvPr>
+          <p:cNvSpPr txBox="1"/>
+          <p:nvPr/>
+        </p:nvSpPr>
+        <p:spPr>
+          <a:xfrm>
+            <a:off x="1562071" y="1789944"/>
+            <a:ext cx="2264911" cy="369332"/>
+          </a:xfrm>
+          <a:prstGeom prst="rect">
+            <a:avLst/>
+          </a:prstGeom>
+          <a:noFill/>
+        </p:spPr>
+        <p:txBody>
+          <a:bodyPr wrap="square" rtlCol="0">
+            <a:spAutoFit/>
+          </a:bodyPr>
+          <a:lstStyle/>
+          <a:p>
+            <a:r>
+              <a:rPr lang="en-US" dirty="0"/>
+              <a:t>Client-side Rendering</a:t>
+            </a:r>
+          </a:p>
+        </p:txBody>
+      </p:sp>
+      <p:sp>
+        <p:nvSpPr>
+          <p:cNvPr id="109" name="TextBox 108">
+            <a:extLst>
+              <a:ext uri="{FF2B5EF4-FFF2-40B4-BE49-F238E27FC236}">
+                <a16:creationId xmlns:a16="http://schemas.microsoft.com/office/drawing/2014/main" id="{6BD34E2C-9D50-6818-5E7C-B48DA82E0F89}"/>
+              </a:ext>
+            </a:extLst>
+          </p:cNvPr>
+          <p:cNvSpPr txBox="1"/>
+          <p:nvPr/>
+        </p:nvSpPr>
+        <p:spPr>
+          <a:xfrm>
+            <a:off x="1482468" y="3519357"/>
+            <a:ext cx="2264911" cy="369332"/>
+          </a:xfrm>
+          <a:prstGeom prst="rect">
+            <a:avLst/>
+          </a:prstGeom>
+          <a:noFill/>
+        </p:spPr>
+        <p:txBody>
+          <a:bodyPr wrap="square" rtlCol="0">
+            <a:spAutoFit/>
+          </a:bodyPr>
+          <a:lstStyle/>
+          <a:p>
+            <a:r>
+              <a:rPr lang="en-US" dirty="0"/>
+              <a:t>Static Site Generation</a:t>
+            </a:r>
+          </a:p>
+        </p:txBody>
+      </p:sp>
+      <p:sp>
+        <p:nvSpPr>
+          <p:cNvPr id="110" name="TextBox 109">
+            <a:extLst>
+              <a:ext uri="{FF2B5EF4-FFF2-40B4-BE49-F238E27FC236}">
+                <a16:creationId xmlns:a16="http://schemas.microsoft.com/office/drawing/2014/main" id="{4EA40CA6-CB51-B4F9-01D8-BFE9F570CA59}"/>
+              </a:ext>
+            </a:extLst>
+          </p:cNvPr>
+          <p:cNvSpPr txBox="1"/>
+          <p:nvPr/>
+        </p:nvSpPr>
+        <p:spPr>
+          <a:xfrm>
+            <a:off x="1562072" y="123187"/>
+            <a:ext cx="2264911" cy="369332"/>
+          </a:xfrm>
+          <a:prstGeom prst="rect">
+            <a:avLst/>
+          </a:prstGeom>
+          <a:noFill/>
+        </p:spPr>
+        <p:txBody>
+          <a:bodyPr wrap="square" rtlCol="0">
+            <a:spAutoFit/>
+          </a:bodyPr>
+          <a:lstStyle/>
+          <a:p>
+            <a:r>
+              <a:rPr lang="en-US" dirty="0"/>
+              <a:t>Server-side Rendering</a:t>
+            </a:r>
+          </a:p>
+        </p:txBody>
+      </p:sp>
+      <p:sp>
+        <p:nvSpPr>
+          <p:cNvPr id="123" name="Explosion: 8 Points 122">
+            <a:extLst>
+              <a:ext uri="{FF2B5EF4-FFF2-40B4-BE49-F238E27FC236}">
+                <a16:creationId xmlns:a16="http://schemas.microsoft.com/office/drawing/2014/main" id="{A9982026-C4FE-9424-4FA8-76BD17C02EE5}"/>
+              </a:ext>
+            </a:extLst>
+          </p:cNvPr>
+          <p:cNvSpPr/>
+          <p:nvPr/>
+        </p:nvSpPr>
+        <p:spPr>
+          <a:xfrm>
+            <a:off x="1307864" y="5768540"/>
+            <a:ext cx="517897" cy="529369"/>
+          </a:xfrm>
+          <a:prstGeom prst="irregularSeal1">
+            <a:avLst/>
+          </a:prstGeom>
+          <a:solidFill>
+            <a:srgbClr val="FFFF00"/>
+          </a:solidFill>
+        </p:spPr>
+        <p:style>
+          <a:lnRef idx="2">
+            <a:schemeClr val="accent1">
+              <a:shade val="50000"/>
+            </a:schemeClr>
+          </a:lnRef>
+          <a:fillRef idx="1">
+            <a:schemeClr val="accent1"/>
+          </a:fillRef>
+          <a:effectRef idx="0">
+            <a:schemeClr val="accent1"/>
+          </a:effectRef>
+          <a:fontRef idx="minor">
+            <a:schemeClr val="lt1"/>
+          </a:fontRef>
+        </p:style>
+        <p:txBody>
+          <a:bodyPr rtlCol="0" anchor="ctr"/>
+          <a:lstStyle/>
+          <a:p>
+            <a:pPr algn="ctr"/>
+            <a:endParaRPr lang="en-US"/>
+          </a:p>
+        </p:txBody>
+      </p:sp>
+      <p:sp>
+        <p:nvSpPr>
+          <p:cNvPr id="124" name="Explosion: 8 Points 123">
+            <a:extLst>
+              <a:ext uri="{FF2B5EF4-FFF2-40B4-BE49-F238E27FC236}">
+                <a16:creationId xmlns:a16="http://schemas.microsoft.com/office/drawing/2014/main" id="{9D29D4DA-2E0E-1EA7-55E5-FCB00B218206}"/>
+              </a:ext>
+            </a:extLst>
+          </p:cNvPr>
+          <p:cNvSpPr/>
+          <p:nvPr/>
+        </p:nvSpPr>
+        <p:spPr>
+          <a:xfrm>
+            <a:off x="3790139" y="5737888"/>
+            <a:ext cx="517897" cy="529369"/>
+          </a:xfrm>
+          <a:prstGeom prst="irregularSeal1">
+            <a:avLst/>
+          </a:prstGeom>
+          <a:solidFill>
+            <a:srgbClr val="FFFF00"/>
+          </a:solidFill>
+        </p:spPr>
+        <p:style>
+          <a:lnRef idx="2">
+            <a:schemeClr val="accent1">
+              <a:shade val="50000"/>
+            </a:schemeClr>
+          </a:lnRef>
+          <a:fillRef idx="1">
+            <a:schemeClr val="accent1"/>
+          </a:fillRef>
+          <a:effectRef idx="0">
+            <a:schemeClr val="accent1"/>
+          </a:effectRef>
+          <a:fontRef idx="minor">
+            <a:schemeClr val="lt1"/>
+          </a:fontRef>
+        </p:style>
+        <p:txBody>
+          <a:bodyPr rtlCol="0" anchor="ctr"/>
+          <a:lstStyle/>
+          <a:p>
+            <a:pPr algn="ctr"/>
+            <a:endParaRPr lang="en-US"/>
+          </a:p>
+        </p:txBody>
+      </p:sp>
+      <p:pic>
+        <p:nvPicPr>
+          <p:cNvPr id="126" name="Picture 125">
+            <a:extLst>
+              <a:ext uri="{FF2B5EF4-FFF2-40B4-BE49-F238E27FC236}">
+                <a16:creationId xmlns:a16="http://schemas.microsoft.com/office/drawing/2014/main" id="{90AF1DD9-94AB-F7DD-52B0-0DC23063DDEE}"/>
+              </a:ext>
+            </a:extLst>
+          </p:cNvPr>
+          <p:cNvPicPr>
+            <a:picLocks noChangeAspect="1"/>
+          </p:cNvPicPr>
+          <p:nvPr/>
+        </p:nvPicPr>
+        <p:blipFill>
+          <a:blip r:embed="rId4"/>
+          <a:stretch>
+            <a:fillRect/>
+          </a:stretch>
+        </p:blipFill>
+        <p:spPr>
+          <a:xfrm>
+            <a:off x="6025115" y="0"/>
+            <a:ext cx="6032764" cy="6858000"/>
+          </a:xfrm>
+          <a:prstGeom prst="rect">
+            <a:avLst/>
+          </a:prstGeom>
+        </p:spPr>
+      </p:pic>
+    </p:spTree>
+    <p:extLst>
+      <p:ext uri="{BB962C8B-B14F-4D97-AF65-F5344CB8AC3E}">
+        <p14:creationId xmlns:p14="http://schemas.microsoft.com/office/powerpoint/2010/main" val="41285709"/>
+      </p:ext>
+    </p:extLst>
+  </p:cSld>
+  <p:clrMapOvr>
+    <a:masterClrMapping/>
+  </p:clrMapOvr>
+</p:sld>
+</file>
+
 <file path=ppt/slides/slide2.xml><?xml version="1.0" encoding="utf-8"?>
 <p:sld xmlns:a="http://schemas.openxmlformats.org/drawingml/2006/main" xmlns:r="http://schemas.openxmlformats.org/officeDocument/2006/relationships" xmlns:p="http://schemas.openxmlformats.org/presentationml/2006/main">
   <p:cSld>
